--- a/2DGP_PPT_2차발표.pptx
+++ b/2DGP_PPT_2차발표.pptx
@@ -7,9 +7,7 @@
   <p:sldIdLst>
     <p:sldId id="265" r:id="rId2"/>
     <p:sldId id="262" r:id="rId3"/>
-    <p:sldId id="258" r:id="rId4"/>
-    <p:sldId id="257" r:id="rId5"/>
-    <p:sldId id="261" r:id="rId6"/>
+    <p:sldId id="257" r:id="rId4"/>
   </p:sldIdLst>
   <p:sldSz cx="12192000" cy="6858000"/>
   <p:notesSz cx="6858000" cy="9144000"/>
@@ -267,7 +265,7 @@
           <a:p>
             <a:fld id="{F04F265E-BE6C-4A09-B310-2E999213E6BC}" type="datetimeFigureOut">
               <a:rPr lang="ko-KR" altLang="en-US" smtClean="0"/>
-              <a:t>2017-11-22</a:t>
+              <a:t>2017-12-24</a:t>
             </a:fld>
             <a:endParaRPr lang="ko-KR" altLang="en-US"/>
           </a:p>
@@ -465,7 +463,7 @@
           <a:p>
             <a:fld id="{F04F265E-BE6C-4A09-B310-2E999213E6BC}" type="datetimeFigureOut">
               <a:rPr lang="ko-KR" altLang="en-US" smtClean="0"/>
-              <a:t>2017-11-22</a:t>
+              <a:t>2017-12-24</a:t>
             </a:fld>
             <a:endParaRPr lang="ko-KR" altLang="en-US"/>
           </a:p>
@@ -673,7 +671,7 @@
           <a:p>
             <a:fld id="{F04F265E-BE6C-4A09-B310-2E999213E6BC}" type="datetimeFigureOut">
               <a:rPr lang="ko-KR" altLang="en-US" smtClean="0"/>
-              <a:t>2017-11-22</a:t>
+              <a:t>2017-12-24</a:t>
             </a:fld>
             <a:endParaRPr lang="ko-KR" altLang="en-US"/>
           </a:p>
@@ -871,7 +869,7 @@
           <a:p>
             <a:fld id="{F04F265E-BE6C-4A09-B310-2E999213E6BC}" type="datetimeFigureOut">
               <a:rPr lang="ko-KR" altLang="en-US" smtClean="0"/>
-              <a:t>2017-11-22</a:t>
+              <a:t>2017-12-24</a:t>
             </a:fld>
             <a:endParaRPr lang="ko-KR" altLang="en-US"/>
           </a:p>
@@ -1146,7 +1144,7 @@
           <a:p>
             <a:fld id="{F04F265E-BE6C-4A09-B310-2E999213E6BC}" type="datetimeFigureOut">
               <a:rPr lang="ko-KR" altLang="en-US" smtClean="0"/>
-              <a:t>2017-11-22</a:t>
+              <a:t>2017-12-24</a:t>
             </a:fld>
             <a:endParaRPr lang="ko-KR" altLang="en-US"/>
           </a:p>
@@ -1411,7 +1409,7 @@
           <a:p>
             <a:fld id="{F04F265E-BE6C-4A09-B310-2E999213E6BC}" type="datetimeFigureOut">
               <a:rPr lang="ko-KR" altLang="en-US" smtClean="0"/>
-              <a:t>2017-11-22</a:t>
+              <a:t>2017-12-24</a:t>
             </a:fld>
             <a:endParaRPr lang="ko-KR" altLang="en-US"/>
           </a:p>
@@ -1823,7 +1821,7 @@
           <a:p>
             <a:fld id="{F04F265E-BE6C-4A09-B310-2E999213E6BC}" type="datetimeFigureOut">
               <a:rPr lang="ko-KR" altLang="en-US" smtClean="0"/>
-              <a:t>2017-11-22</a:t>
+              <a:t>2017-12-24</a:t>
             </a:fld>
             <a:endParaRPr lang="ko-KR" altLang="en-US"/>
           </a:p>
@@ -1964,7 +1962,7 @@
           <a:p>
             <a:fld id="{F04F265E-BE6C-4A09-B310-2E999213E6BC}" type="datetimeFigureOut">
               <a:rPr lang="ko-KR" altLang="en-US" smtClean="0"/>
-              <a:t>2017-11-22</a:t>
+              <a:t>2017-12-24</a:t>
             </a:fld>
             <a:endParaRPr lang="ko-KR" altLang="en-US"/>
           </a:p>
@@ -2077,7 +2075,7 @@
           <a:p>
             <a:fld id="{F04F265E-BE6C-4A09-B310-2E999213E6BC}" type="datetimeFigureOut">
               <a:rPr lang="ko-KR" altLang="en-US" smtClean="0"/>
-              <a:t>2017-11-22</a:t>
+              <a:t>2017-12-24</a:t>
             </a:fld>
             <a:endParaRPr lang="ko-KR" altLang="en-US"/>
           </a:p>
@@ -2388,7 +2386,7 @@
           <a:p>
             <a:fld id="{F04F265E-BE6C-4A09-B310-2E999213E6BC}" type="datetimeFigureOut">
               <a:rPr lang="ko-KR" altLang="en-US" smtClean="0"/>
-              <a:t>2017-11-22</a:t>
+              <a:t>2017-12-24</a:t>
             </a:fld>
             <a:endParaRPr lang="ko-KR" altLang="en-US"/>
           </a:p>
@@ -2676,7 +2674,7 @@
           <a:p>
             <a:fld id="{F04F265E-BE6C-4A09-B310-2E999213E6BC}" type="datetimeFigureOut">
               <a:rPr lang="ko-KR" altLang="en-US" smtClean="0"/>
-              <a:t>2017-11-22</a:t>
+              <a:t>2017-12-24</a:t>
             </a:fld>
             <a:endParaRPr lang="ko-KR" altLang="en-US"/>
           </a:p>
@@ -2926,7 +2924,7 @@
           <a:p>
             <a:fld id="{F04F265E-BE6C-4A09-B310-2E999213E6BC}" type="datetimeFigureOut">
               <a:rPr lang="ko-KR" altLang="en-US" smtClean="0"/>
-              <a:t>2017-11-22</a:t>
+              <a:t>2017-12-24</a:t>
             </a:fld>
             <a:endParaRPr lang="ko-KR" altLang="en-US"/>
           </a:p>
@@ -3924,7 +3922,7 @@
           <a:p>
             <a:r>
               <a:rPr lang="ko-KR" altLang="en-US" sz="4000" dirty="0"/>
-              <a:t>게임 컨셉</a:t>
+              <a:t>게임 소개</a:t>
             </a:r>
           </a:p>
         </p:txBody>
@@ -4145,7 +4143,7 @@
       </p:grpSpPr>
       <p:sp>
         <p:nvSpPr>
-          <p:cNvPr id="17" name="Freeform: Shape 8">
+          <p:cNvPr id="19" name="Freeform: Shape 10">
             <a:extLst>
               <a:ext uri="{FF2B5EF4-FFF2-40B4-BE49-F238E27FC236}">
                 <a16:creationId xmlns:a16="http://schemas.microsoft.com/office/drawing/2014/main" id="{48A740BC-A0AA-45E0-B899-2AE9C6FE11CA}"/>
@@ -4309,7 +4307,7 @@
       </p:sp>
       <p:cxnSp>
         <p:nvCxnSpPr>
-          <p:cNvPr id="18" name="Straight Arrow Connector 10">
+          <p:cNvPr id="20" name="Straight Arrow Connector 12">
             <a:extLst>
               <a:ext uri="{FF2B5EF4-FFF2-40B4-BE49-F238E27FC236}">
                 <a16:creationId xmlns:a16="http://schemas.microsoft.com/office/drawing/2014/main" id="{B874EF51-C858-4BB9-97C3-D17755787127}"/>
@@ -4359,10 +4357,10 @@
       </p:cxnSp>
       <p:sp>
         <p:nvSpPr>
-          <p:cNvPr id="4" name="제목 1">
-            <a:extLst>
-              <a:ext uri="{FF2B5EF4-FFF2-40B4-BE49-F238E27FC236}">
-                <a16:creationId xmlns:a16="http://schemas.microsoft.com/office/drawing/2014/main" id="{52861EE1-756F-4567-85A9-9D894634D0F3}"/>
+          <p:cNvPr id="5" name="제목 1">
+            <a:extLst>
+              <a:ext uri="{FF2B5EF4-FFF2-40B4-BE49-F238E27FC236}">
+                <a16:creationId xmlns:a16="http://schemas.microsoft.com/office/drawing/2014/main" id="{548AA46B-1A9E-4248-BED8-E6A7AD0F2D78}"/>
               </a:ext>
             </a:extLst>
           </p:cNvPr>
@@ -4494,7 +4492,7 @@
               </a:spcAft>
             </a:pPr>
             <a:r>
-              <a:rPr lang="ko-KR" altLang="en-US" sz="4000" kern="1200">
+              <a:rPr lang="ko-KR" altLang="en-US" sz="4000" kern="1200" dirty="0">
                 <a:solidFill>
                   <a:schemeClr val="tx1"/>
                 </a:solidFill>
@@ -4502,17 +4500,33 @@
                 <a:ea typeface="+mj-ea"/>
                 <a:cs typeface="+mj-cs"/>
               </a:rPr>
-              <a:t>개발 범위</a:t>
-            </a:r>
+              <a:t>개발 </a:t>
+            </a:r>
+            <a:r>
+              <a:rPr lang="ko-KR" altLang="en-US" sz="4000" dirty="0">
+                <a:solidFill>
+                  <a:schemeClr val="tx1"/>
+                </a:solidFill>
+              </a:rPr>
+              <a:t>진척도</a:t>
+            </a:r>
+            <a:endParaRPr lang="ko-KR" altLang="en-US" sz="4000" kern="1200" dirty="0">
+              <a:solidFill>
+                <a:schemeClr val="tx1"/>
+              </a:solidFill>
+              <a:latin typeface="+mj-lt"/>
+              <a:ea typeface="+mj-ea"/>
+              <a:cs typeface="+mj-cs"/>
+            </a:endParaRPr>
           </a:p>
         </p:txBody>
       </p:sp>
       <p:graphicFrame>
         <p:nvGraphicFramePr>
-          <p:cNvPr id="16" name="내용 개체 틀 4">
-            <a:extLst>
-              <a:ext uri="{FF2B5EF4-FFF2-40B4-BE49-F238E27FC236}">
-                <a16:creationId xmlns:a16="http://schemas.microsoft.com/office/drawing/2014/main" id="{83AF39DC-5FD0-4935-A6BC-9C7AE0DDAB37}"/>
+          <p:cNvPr id="14" name="내용 개체 틀 3">
+            <a:extLst>
+              <a:ext uri="{FF2B5EF4-FFF2-40B4-BE49-F238E27FC236}">
+                <a16:creationId xmlns:a16="http://schemas.microsoft.com/office/drawing/2014/main" id="{BC15D1F3-68D5-45C6-B4BA-210932F89566}"/>
               </a:ext>
             </a:extLst>
           </p:cNvPr>
@@ -4522,45 +4536,52 @@
           <p:nvPr>
             <p:extLst>
               <p:ext uri="{D42A27DB-BD31-4B8C-83A1-F6EECF244321}">
-                <p14:modId xmlns:p14="http://schemas.microsoft.com/office/powerpoint/2010/main" val="1704572564"/>
+                <p14:modId xmlns:p14="http://schemas.microsoft.com/office/powerpoint/2010/main" val="1653746742"/>
               </p:ext>
             </p:extLst>
           </p:nvPr>
         </p:nvGraphicFramePr>
         <p:xfrm>
-          <a:off x="655320" y="2644518"/>
-          <a:ext cx="10353676" cy="3468163"/>
+          <a:off x="655320" y="2362835"/>
+          <a:ext cx="10405742" cy="3703611"/>
         </p:xfrm>
         <a:graphic>
           <a:graphicData uri="http://schemas.openxmlformats.org/drawingml/2006/table">
             <a:tbl>
               <a:tblPr firstRow="1" bandRow="1">
-                <a:tableStyleId>{21E4AEA4-8DFA-4A89-87EB-49C32662AFE0}</a:tableStyleId>
+                <a:tableStyleId>{073A0DAA-6AF3-43AB-8588-CEC1D06C72B9}</a:tableStyleId>
               </a:tblPr>
               <a:tblGrid>
-                <a:gridCol w="2028825">
+                <a:gridCol w="1354814">
                   <a:extLst>
                     <a:ext uri="{9D8B030D-6E8A-4147-A177-3AD203B41FA5}">
-                      <a16:colId xmlns:a16="http://schemas.microsoft.com/office/drawing/2014/main" val="1931882692"/>
+                      <a16:colId xmlns:a16="http://schemas.microsoft.com/office/drawing/2014/main" val="3150067722"/>
                     </a:ext>
                   </a:extLst>
                 </a:gridCol>
-                <a:gridCol w="3869055">
+                <a:gridCol w="2789914">
                   <a:extLst>
                     <a:ext uri="{9D8B030D-6E8A-4147-A177-3AD203B41FA5}">
-                      <a16:colId xmlns:a16="http://schemas.microsoft.com/office/drawing/2014/main" val="1901031506"/>
+                      <a16:colId xmlns:a16="http://schemas.microsoft.com/office/drawing/2014/main" val="2145024002"/>
                     </a:ext>
                   </a:extLst>
                 </a:gridCol>
-                <a:gridCol w="4455796">
+                <a:gridCol w="3416977">
                   <a:extLst>
                     <a:ext uri="{9D8B030D-6E8A-4147-A177-3AD203B41FA5}">
-                      <a16:colId xmlns:a16="http://schemas.microsoft.com/office/drawing/2014/main" val="2662309734"/>
+                      <a16:colId xmlns:a16="http://schemas.microsoft.com/office/drawing/2014/main" val="2329475309"/>
+                    </a:ext>
+                  </a:extLst>
+                </a:gridCol>
+                <a:gridCol w="2844037">
+                  <a:extLst>
+                    <a:ext uri="{9D8B030D-6E8A-4147-A177-3AD203B41FA5}">
+                      <a16:colId xmlns:a16="http://schemas.microsoft.com/office/drawing/2014/main" val="1052729247"/>
                     </a:ext>
                   </a:extLst>
                 </a:gridCol>
               </a:tblGrid>
-              <a:tr h="445849">
+              <a:tr h="379750">
                 <a:tc>
                   <a:txBody>
                     <a:bodyPr/>
@@ -4568,7 +4589,7 @@
                     <a:p>
                       <a:pPr algn="ctr" latinLnBrk="1"/>
                       <a:r>
-                        <a:rPr lang="ko-KR" altLang="en-US" sz="2000" dirty="0"/>
+                        <a:rPr lang="ko-KR" altLang="en-US" sz="1600" dirty="0"/>
                         <a:t>내용</a:t>
                       </a:r>
                     </a:p>
@@ -4582,8 +4603,8 @@
                     <a:p>
                       <a:pPr algn="ctr" latinLnBrk="1"/>
                       <a:r>
-                        <a:rPr lang="ko-KR" altLang="en-US" sz="2000" dirty="0"/>
-                        <a:t>최소 범위</a:t>
+                        <a:rPr lang="ko-KR" altLang="en-US" sz="1600" dirty="0"/>
+                        <a:t>계획</a:t>
                       </a:r>
                     </a:p>
                   </a:txBody>
@@ -4596,1031 +4617,8 @@
                     <a:p>
                       <a:pPr algn="ctr" latinLnBrk="1"/>
                       <a:r>
-                        <a:rPr lang="ko-KR" altLang="en-US" sz="2000"/>
-                        <a:t>추가 범위</a:t>
-                      </a:r>
-                      <a:endParaRPr lang="ko-KR" altLang="en-US" sz="2000" dirty="0"/>
-                    </a:p>
-                  </a:txBody>
-                  <a:tcPr marL="90032" marR="90032" anchor="ctr"/>
-                </a:tc>
-                <a:extLst>
-                  <a:ext uri="{0D108BD9-81ED-4DB2-BD59-A6C34878D82A}">
-                    <a16:rowId xmlns:a16="http://schemas.microsoft.com/office/drawing/2014/main" val="625975009"/>
-                  </a:ext>
-                </a:extLst>
-              </a:tr>
-              <a:tr h="377256">
-                <a:tc>
-                  <a:txBody>
-                    <a:bodyPr/>
-                    <a:lstStyle/>
-                    <a:p>
-                      <a:pPr algn="ctr" latinLnBrk="1"/>
-                      <a:r>
                         <a:rPr lang="ko-KR" altLang="en-US" sz="1600" dirty="0"/>
-                        <a:t>캐릭터 컨트롤</a:t>
-                      </a:r>
-                    </a:p>
-                  </a:txBody>
-                  <a:tcPr marL="90032" marR="90032" anchor="ctr">
-                    <a:solidFill>
-                      <a:schemeClr val="bg2">
-                        <a:lumMod val="10000"/>
-                        <a:lumOff val="90000"/>
-                      </a:schemeClr>
-                    </a:solidFill>
-                  </a:tcPr>
-                </a:tc>
-                <a:tc>
-                  <a:txBody>
-                    <a:bodyPr/>
-                    <a:lstStyle/>
-                    <a:p>
-                      <a:pPr algn="ctr" latinLnBrk="1"/>
-                      <a:r>
-                        <a:rPr lang="ko-KR" altLang="en-US" sz="1600" dirty="0"/>
-                        <a:t>좌</a:t>
-                      </a:r>
-                      <a:r>
-                        <a:rPr lang="en-US" altLang="ko-KR" sz="1600" dirty="0"/>
-                        <a:t>,</a:t>
-                      </a:r>
-                      <a:r>
-                        <a:rPr lang="ko-KR" altLang="en-US" sz="1600" dirty="0"/>
-                        <a:t> 우</a:t>
-                      </a:r>
-                      <a:r>
-                        <a:rPr lang="en-US" altLang="ko-KR" sz="1600" dirty="0"/>
-                        <a:t>,</a:t>
-                      </a:r>
-                      <a:r>
-                        <a:rPr lang="ko-KR" altLang="en-US" sz="1600" dirty="0"/>
-                        <a:t> 점프</a:t>
-                      </a:r>
-                    </a:p>
-                  </a:txBody>
-                  <a:tcPr marL="90032" marR="90032" anchor="ctr">
-                    <a:solidFill>
-                      <a:schemeClr val="bg2">
-                        <a:lumMod val="10000"/>
-                        <a:lumOff val="90000"/>
-                      </a:schemeClr>
-                    </a:solidFill>
-                  </a:tcPr>
-                </a:tc>
-                <a:tc>
-                  <a:txBody>
-                    <a:bodyPr/>
-                    <a:lstStyle/>
-                    <a:p>
-                      <a:pPr algn="ctr" latinLnBrk="1"/>
-                      <a:r>
-                        <a:rPr lang="en-US" altLang="ko-KR" sz="1600" dirty="0"/>
-                        <a:t>2</a:t>
-                      </a:r>
-                      <a:r>
-                        <a:rPr lang="ko-KR" altLang="en-US" sz="1600" dirty="0"/>
-                        <a:t>단 점프</a:t>
-                      </a:r>
-                      <a:r>
-                        <a:rPr lang="en-US" altLang="ko-KR" sz="1600" dirty="0"/>
-                        <a:t>, </a:t>
-                      </a:r>
-                      <a:r>
-                        <a:rPr lang="ko-KR" altLang="en-US" sz="1600" dirty="0"/>
-                        <a:t>슬라이딩</a:t>
-                      </a:r>
-                    </a:p>
-                  </a:txBody>
-                  <a:tcPr marL="90032" marR="90032" anchor="ctr">
-                    <a:solidFill>
-                      <a:schemeClr val="bg2">
-                        <a:lumMod val="10000"/>
-                        <a:lumOff val="90000"/>
-                      </a:schemeClr>
-                    </a:solidFill>
-                  </a:tcPr>
-                </a:tc>
-                <a:extLst>
-                  <a:ext uri="{0D108BD9-81ED-4DB2-BD59-A6C34878D82A}">
-                    <a16:rowId xmlns:a16="http://schemas.microsoft.com/office/drawing/2014/main" val="786562864"/>
-                  </a:ext>
-                </a:extLst>
-              </a:tr>
-              <a:tr h="377256">
-                <a:tc>
-                  <a:txBody>
-                    <a:bodyPr/>
-                    <a:lstStyle/>
-                    <a:p>
-                      <a:pPr algn="ctr" latinLnBrk="1"/>
-                      <a:r>
-                        <a:rPr lang="ko-KR" altLang="en-US" sz="1600" dirty="0"/>
-                        <a:t>맵</a:t>
-                      </a:r>
-                    </a:p>
-                  </a:txBody>
-                  <a:tcPr marL="90032" marR="90032" anchor="ctr">
-                    <a:solidFill>
-                      <a:schemeClr val="bg2">
-                        <a:lumMod val="10000"/>
-                        <a:lumOff val="90000"/>
-                      </a:schemeClr>
-                    </a:solidFill>
-                  </a:tcPr>
-                </a:tc>
-                <a:tc>
-                  <a:txBody>
-                    <a:bodyPr/>
-                    <a:lstStyle/>
-                    <a:p>
-                      <a:pPr algn="ctr" latinLnBrk="1"/>
-                      <a:r>
-                        <a:rPr lang="ko-KR" altLang="en-US" sz="1600" dirty="0"/>
-                        <a:t>밤 배경의 평지 맵</a:t>
-                      </a:r>
-                      <a:endParaRPr lang="en-US" altLang="ko-KR" sz="1600" dirty="0"/>
-                    </a:p>
-                  </a:txBody>
-                  <a:tcPr marL="90032" marR="90032" anchor="ctr">
-                    <a:solidFill>
-                      <a:schemeClr val="bg2">
-                        <a:lumMod val="10000"/>
-                        <a:lumOff val="90000"/>
-                      </a:schemeClr>
-                    </a:solidFill>
-                  </a:tcPr>
-                </a:tc>
-                <a:tc>
-                  <a:txBody>
-                    <a:bodyPr/>
-                    <a:lstStyle/>
-                    <a:p>
-                      <a:pPr algn="ctr" latinLnBrk="1"/>
-                      <a:r>
-                        <a:rPr lang="ko-KR" altLang="en-US" sz="1600" dirty="0"/>
-                        <a:t>산</a:t>
-                      </a:r>
-                      <a:r>
-                        <a:rPr lang="en-US" altLang="ko-KR" sz="1600" dirty="0"/>
-                        <a:t>, </a:t>
-                      </a:r>
-                      <a:r>
-                        <a:rPr lang="ko-KR" altLang="en-US" sz="1600" dirty="0"/>
-                        <a:t>숲</a:t>
-                      </a:r>
-                      <a:r>
-                        <a:rPr lang="en-US" altLang="ko-KR" sz="1600" dirty="0"/>
-                        <a:t>, </a:t>
-                      </a:r>
-                      <a:r>
-                        <a:rPr lang="ko-KR" altLang="en-US" sz="1600" dirty="0"/>
-                        <a:t>도시</a:t>
-                      </a:r>
-                      <a:r>
-                        <a:rPr lang="en-US" altLang="ko-KR" sz="1600" dirty="0"/>
-                        <a:t> </a:t>
-                      </a:r>
-                      <a:r>
-                        <a:rPr lang="ko-KR" altLang="en-US" sz="1600" dirty="0"/>
-                        <a:t>등의 배경 맵 추가</a:t>
-                      </a:r>
-                    </a:p>
-                  </a:txBody>
-                  <a:tcPr marL="90032" marR="90032" anchor="ctr">
-                    <a:solidFill>
-                      <a:schemeClr val="bg2">
-                        <a:lumMod val="10000"/>
-                        <a:lumOff val="90000"/>
-                      </a:schemeClr>
-                    </a:solidFill>
-                  </a:tcPr>
-                </a:tc>
-                <a:extLst>
-                  <a:ext uri="{0D108BD9-81ED-4DB2-BD59-A6C34878D82A}">
-                    <a16:rowId xmlns:a16="http://schemas.microsoft.com/office/drawing/2014/main" val="752807026"/>
-                  </a:ext>
-                </a:extLst>
-              </a:tr>
-              <a:tr h="860719">
-                <a:tc>
-                  <a:txBody>
-                    <a:bodyPr/>
-                    <a:lstStyle/>
-                    <a:p>
-                      <a:pPr algn="ctr" latinLnBrk="1"/>
-                      <a:r>
-                        <a:rPr lang="ko-KR" altLang="en-US" sz="1600" dirty="0"/>
-                        <a:t>장애물</a:t>
-                      </a:r>
-                    </a:p>
-                  </a:txBody>
-                  <a:tcPr marL="90032" marR="90032" anchor="ctr">
-                    <a:solidFill>
-                      <a:schemeClr val="bg2">
-                        <a:lumMod val="10000"/>
-                        <a:lumOff val="90000"/>
-                      </a:schemeClr>
-                    </a:solidFill>
-                  </a:tcPr>
-                </a:tc>
-                <a:tc>
-                  <a:txBody>
-                    <a:bodyPr/>
-                    <a:lstStyle/>
-                    <a:p>
-                      <a:pPr algn="ctr" latinLnBrk="1"/>
-                      <a:r>
-                        <a:rPr lang="ko-KR" altLang="en-US" sz="1600" dirty="0"/>
-                        <a:t>바위</a:t>
-                      </a:r>
-                      <a:r>
-                        <a:rPr lang="en-US" altLang="ko-KR" sz="1600" dirty="0"/>
-                        <a:t>, </a:t>
-                      </a:r>
-                      <a:r>
-                        <a:rPr lang="ko-KR" altLang="en-US" sz="1600" dirty="0"/>
-                        <a:t>움직이는 적 캐릭터</a:t>
-                      </a:r>
-                      <a:endParaRPr lang="en-US" altLang="ko-KR" sz="1600" dirty="0"/>
-                    </a:p>
-                  </a:txBody>
-                  <a:tcPr marL="90032" marR="90032" anchor="ctr">
-                    <a:solidFill>
-                      <a:schemeClr val="bg2">
-                        <a:lumMod val="10000"/>
-                        <a:lumOff val="90000"/>
-                      </a:schemeClr>
-                    </a:solidFill>
-                  </a:tcPr>
-                </a:tc>
-                <a:tc>
-                  <a:txBody>
-                    <a:bodyPr/>
-                    <a:lstStyle/>
-                    <a:p>
-                      <a:pPr algn="ctr" latinLnBrk="1"/>
-                      <a:r>
-                        <a:rPr lang="ko-KR" altLang="en-US" sz="1600" dirty="0"/>
-                        <a:t>하늘에서 떨어지는 장애물</a:t>
-                      </a:r>
-                      <a:endParaRPr lang="en-US" altLang="ko-KR" sz="1600" dirty="0"/>
-                    </a:p>
-                    <a:p>
-                      <a:pPr algn="ctr" latinLnBrk="1"/>
-                      <a:r>
-                        <a:rPr lang="ko-KR" altLang="en-US" sz="1600" dirty="0"/>
-                        <a:t>절벽</a:t>
-                      </a:r>
-                      <a:r>
-                        <a:rPr lang="en-US" altLang="ko-KR" sz="1600" dirty="0"/>
-                        <a:t>, </a:t>
-                      </a:r>
-                      <a:r>
-                        <a:rPr lang="ko-KR" altLang="en-US" sz="1600" dirty="0"/>
-                        <a:t>언덕</a:t>
-                      </a:r>
-                      <a:r>
-                        <a:rPr lang="en-US" altLang="ko-KR" sz="1600" dirty="0"/>
-                        <a:t> </a:t>
-                      </a:r>
-                      <a:r>
-                        <a:rPr lang="ko-KR" altLang="en-US" sz="1600" dirty="0"/>
-                        <a:t>등의 지형</a:t>
-                      </a:r>
-                      <a:endParaRPr lang="en-US" altLang="ko-KR" sz="1600" dirty="0"/>
-                    </a:p>
-                  </a:txBody>
-                  <a:tcPr marL="90032" marR="90032" anchor="ctr">
-                    <a:solidFill>
-                      <a:schemeClr val="bg2">
-                        <a:lumMod val="10000"/>
-                        <a:lumOff val="90000"/>
-                      </a:schemeClr>
-                    </a:solidFill>
-                  </a:tcPr>
-                </a:tc>
-                <a:extLst>
-                  <a:ext uri="{0D108BD9-81ED-4DB2-BD59-A6C34878D82A}">
-                    <a16:rowId xmlns:a16="http://schemas.microsoft.com/office/drawing/2014/main" val="3634180312"/>
-                  </a:ext>
-                </a:extLst>
-              </a:tr>
-              <a:tr h="492683">
-                <a:tc>
-                  <a:txBody>
-                    <a:bodyPr/>
-                    <a:lstStyle/>
-                    <a:p>
-                      <a:pPr algn="ctr" latinLnBrk="1"/>
-                      <a:r>
-                        <a:rPr lang="ko-KR" altLang="en-US" sz="1600" dirty="0"/>
-                        <a:t>사운드</a:t>
-                      </a:r>
-                    </a:p>
-                  </a:txBody>
-                  <a:tcPr marL="90032" marR="90032" anchor="ctr">
-                    <a:solidFill>
-                      <a:schemeClr val="bg2">
-                        <a:lumMod val="10000"/>
-                        <a:lumOff val="90000"/>
-                      </a:schemeClr>
-                    </a:solidFill>
-                  </a:tcPr>
-                </a:tc>
-                <a:tc gridSpan="2">
-                  <a:txBody>
-                    <a:bodyPr/>
-                    <a:lstStyle/>
-                    <a:p>
-                      <a:pPr algn="ctr" latinLnBrk="1"/>
-                      <a:r>
-                        <a:rPr lang="ko-KR" altLang="en-US" sz="1600" dirty="0"/>
-                        <a:t>배경</a:t>
-                      </a:r>
-                      <a:r>
-                        <a:rPr lang="en-US" altLang="ko-KR" sz="1600" dirty="0"/>
-                        <a:t>, </a:t>
-                      </a:r>
-                      <a:r>
-                        <a:rPr lang="ko-KR" altLang="en-US" sz="1600" dirty="0"/>
-                        <a:t>점프</a:t>
-                      </a:r>
-                      <a:r>
-                        <a:rPr lang="en-US" altLang="ko-KR" sz="1600" dirty="0"/>
-                        <a:t>, </a:t>
-                      </a:r>
-                      <a:r>
-                        <a:rPr lang="ko-KR" altLang="en-US" sz="1600" dirty="0"/>
-                        <a:t>작은 울음소리 등</a:t>
-                      </a:r>
-                    </a:p>
-                  </a:txBody>
-                  <a:tcPr marL="90032" marR="90032" anchor="ctr">
-                    <a:solidFill>
-                      <a:schemeClr val="bg2">
-                        <a:lumMod val="10000"/>
-                        <a:lumOff val="90000"/>
-                      </a:schemeClr>
-                    </a:solidFill>
-                  </a:tcPr>
-                </a:tc>
-                <a:tc hMerge="1">
-                  <a:txBody>
-                    <a:bodyPr/>
-                    <a:lstStyle/>
-                    <a:p>
-                      <a:pPr latinLnBrk="1"/>
-                      <a:endParaRPr lang="ko-KR" altLang="en-US"/>
-                    </a:p>
-                  </a:txBody>
-                  <a:tcPr/>
-                </a:tc>
-                <a:extLst>
-                  <a:ext uri="{0D108BD9-81ED-4DB2-BD59-A6C34878D82A}">
-                    <a16:rowId xmlns:a16="http://schemas.microsoft.com/office/drawing/2014/main" val="3593922975"/>
-                  </a:ext>
-                </a:extLst>
-              </a:tr>
-              <a:tr h="246342">
-                <a:tc>
-                  <a:txBody>
-                    <a:bodyPr/>
-                    <a:lstStyle/>
-                    <a:p>
-                      <a:pPr algn="ctr" latinLnBrk="1"/>
-                      <a:r>
-                        <a:rPr lang="ko-KR" altLang="en-US" sz="1600" dirty="0"/>
-                        <a:t>애니메이션</a:t>
-                      </a:r>
-                    </a:p>
-                  </a:txBody>
-                  <a:tcPr marL="90032" marR="90032" anchor="ctr">
-                    <a:solidFill>
-                      <a:schemeClr val="bg2">
-                        <a:lumMod val="10000"/>
-                        <a:lumOff val="90000"/>
-                      </a:schemeClr>
-                    </a:solidFill>
-                  </a:tcPr>
-                </a:tc>
-                <a:tc>
-                  <a:txBody>
-                    <a:bodyPr/>
-                    <a:lstStyle/>
-                    <a:p>
-                      <a:pPr algn="ctr" latinLnBrk="1"/>
-                      <a:r>
-                        <a:rPr lang="ko-KR" altLang="en-US" sz="1600" dirty="0"/>
-                        <a:t>좌 우 점프</a:t>
-                      </a:r>
-                      <a:endParaRPr lang="en-US" altLang="ko-KR" sz="1600" dirty="0"/>
-                    </a:p>
-                    <a:p>
-                      <a:pPr algn="ctr" latinLnBrk="1"/>
-                      <a:r>
-                        <a:rPr lang="ko-KR" altLang="en-US" sz="1600" dirty="0"/>
-                        <a:t>장애물에 필요한 애니메이션</a:t>
-                      </a:r>
-                    </a:p>
-                  </a:txBody>
-                  <a:tcPr marL="90032" marR="90032" anchor="ctr">
-                    <a:solidFill>
-                      <a:schemeClr val="bg2">
-                        <a:lumMod val="10000"/>
-                        <a:lumOff val="90000"/>
-                      </a:schemeClr>
-                    </a:solidFill>
-                  </a:tcPr>
-                </a:tc>
-                <a:tc>
-                  <a:txBody>
-                    <a:bodyPr/>
-                    <a:lstStyle/>
-                    <a:p>
-                      <a:pPr algn="ctr" latinLnBrk="1"/>
-                      <a:r>
-                        <a:rPr lang="en-US" altLang="ko-KR" sz="1600" dirty="0"/>
-                        <a:t>2</a:t>
-                      </a:r>
-                      <a:r>
-                        <a:rPr lang="ko-KR" altLang="en-US" sz="1600" dirty="0"/>
-                        <a:t>단 점프 및 슬라이딩에 맞는 애니메이션 </a:t>
-                      </a:r>
-                    </a:p>
-                  </a:txBody>
-                  <a:tcPr marL="90032" marR="90032" anchor="ctr">
-                    <a:solidFill>
-                      <a:schemeClr val="bg2">
-                        <a:lumMod val="10000"/>
-                        <a:lumOff val="90000"/>
-                      </a:schemeClr>
-                    </a:solidFill>
-                  </a:tcPr>
-                </a:tc>
-                <a:extLst>
-                  <a:ext uri="{0D108BD9-81ED-4DB2-BD59-A6C34878D82A}">
-                    <a16:rowId xmlns:a16="http://schemas.microsoft.com/office/drawing/2014/main" val="677922062"/>
-                  </a:ext>
-                </a:extLst>
-              </a:tr>
-              <a:tr h="246342">
-                <a:tc>
-                  <a:txBody>
-                    <a:bodyPr/>
-                    <a:lstStyle/>
-                    <a:p>
-                      <a:pPr algn="ctr" latinLnBrk="1"/>
-                      <a:r>
-                        <a:rPr lang="ko-KR" altLang="en-US" sz="1600" dirty="0"/>
-                        <a:t>캐릭터 </a:t>
-                      </a:r>
-                      <a:r>
-                        <a:rPr lang="ko-KR" altLang="en-US" sz="1600" dirty="0" err="1"/>
-                        <a:t>상태알림창</a:t>
-                      </a:r>
-                      <a:endParaRPr lang="ko-KR" altLang="en-US" sz="1600" dirty="0"/>
-                    </a:p>
-                  </a:txBody>
-                  <a:tcPr marL="90032" marR="90032" anchor="ctr">
-                    <a:solidFill>
-                      <a:schemeClr val="bg2">
-                        <a:lumMod val="10000"/>
-                        <a:lumOff val="90000"/>
-                      </a:schemeClr>
-                    </a:solidFill>
-                  </a:tcPr>
-                </a:tc>
-                <a:tc>
-                  <a:txBody>
-                    <a:bodyPr/>
-                    <a:lstStyle/>
-                    <a:p>
-                      <a:pPr algn="ctr" latinLnBrk="1"/>
-                      <a:r>
-                        <a:rPr lang="ko-KR" altLang="en-US" sz="1600" dirty="0"/>
-                        <a:t>게임시작</a:t>
-                      </a:r>
-                      <a:r>
-                        <a:rPr lang="en-US" altLang="ko-KR" sz="1600" dirty="0"/>
-                        <a:t>, </a:t>
-                      </a:r>
-                      <a:r>
-                        <a:rPr lang="ko-KR" altLang="en-US" sz="1600" dirty="0"/>
-                        <a:t>게임 종료</a:t>
-                      </a:r>
-                    </a:p>
-                  </a:txBody>
-                  <a:tcPr marL="90032" marR="90032" anchor="ctr">
-                    <a:solidFill>
-                      <a:schemeClr val="bg2">
-                        <a:lumMod val="10000"/>
-                        <a:lumOff val="90000"/>
-                      </a:schemeClr>
-                    </a:solidFill>
-                  </a:tcPr>
-                </a:tc>
-                <a:tc>
-                  <a:txBody>
-                    <a:bodyPr/>
-                    <a:lstStyle/>
-                    <a:p>
-                      <a:pPr algn="ctr" latinLnBrk="1"/>
-                      <a:r>
-                        <a:rPr lang="ko-KR" altLang="en-US" sz="1600" dirty="0"/>
-                        <a:t>장애물 만났을 때 알림</a:t>
-                      </a:r>
-                      <a:endParaRPr lang="en-US" altLang="ko-KR" sz="1600" dirty="0"/>
-                    </a:p>
-                  </a:txBody>
-                  <a:tcPr marL="90032" marR="90032" anchor="ctr">
-                    <a:solidFill>
-                      <a:schemeClr val="bg2">
-                        <a:lumMod val="10000"/>
-                        <a:lumOff val="90000"/>
-                      </a:schemeClr>
-                    </a:solidFill>
-                  </a:tcPr>
-                </a:tc>
-                <a:extLst>
-                  <a:ext uri="{0D108BD9-81ED-4DB2-BD59-A6C34878D82A}">
-                    <a16:rowId xmlns:a16="http://schemas.microsoft.com/office/drawing/2014/main" val="3757219998"/>
-                  </a:ext>
-                </a:extLst>
-              </a:tr>
-            </a:tbl>
-          </a:graphicData>
-        </a:graphic>
-      </p:graphicFrame>
-    </p:spTree>
-    <p:extLst>
-      <p:ext uri="{BB962C8B-B14F-4D97-AF65-F5344CB8AC3E}">
-        <p14:creationId xmlns:p14="http://schemas.microsoft.com/office/powerpoint/2010/main" val="3978663367"/>
-      </p:ext>
-    </p:extLst>
-  </p:cSld>
-  <p:clrMapOvr>
-    <a:overrideClrMapping bg1="dk1" tx1="lt1" bg2="dk2" tx2="lt2" accent1="accent1" accent2="accent2" accent3="accent3" accent4="accent4" accent5="accent5" accent6="accent6" hlink="hlink" folHlink="folHlink"/>
-  </p:clrMapOvr>
-</p:sld>
-</file>
-
-<file path=ppt/slides/slide4.xml><?xml version="1.0" encoding="utf-8"?>
-<p:sld xmlns:a="http://schemas.openxmlformats.org/drawingml/2006/main" xmlns:r="http://schemas.openxmlformats.org/officeDocument/2006/relationships" xmlns:p="http://schemas.openxmlformats.org/presentationml/2006/main">
-  <p:cSld>
-    <p:bg>
-      <p:bgPr>
-        <a:solidFill>
-          <a:schemeClr val="bg1">
-            <a:tint val="95000"/>
-            <a:satMod val="170000"/>
-          </a:schemeClr>
-        </a:solidFill>
-        <a:effectLst/>
-      </p:bgPr>
-    </p:bg>
-    <p:spTree>
-      <p:nvGrpSpPr>
-        <p:cNvPr id="1" name=""/>
-        <p:cNvGrpSpPr/>
-        <p:nvPr/>
-      </p:nvGrpSpPr>
-      <p:grpSpPr>
-        <a:xfrm>
-          <a:off x="0" y="0"/>
-          <a:ext cx="0" cy="0"/>
-          <a:chOff x="0" y="0"/>
-          <a:chExt cx="0" cy="0"/>
-        </a:xfrm>
-      </p:grpSpPr>
-      <p:sp>
-        <p:nvSpPr>
-          <p:cNvPr id="19" name="Freeform: Shape 10">
-            <a:extLst>
-              <a:ext uri="{FF2B5EF4-FFF2-40B4-BE49-F238E27FC236}">
-                <a16:creationId xmlns:a16="http://schemas.microsoft.com/office/drawing/2014/main" id="{48A740BC-A0AA-45E0-B899-2AE9C6FE11CA}"/>
-              </a:ext>
-            </a:extLst>
-          </p:cNvPr>
-          <p:cNvSpPr>
-            <a:spLocks noGrp="1" noRot="1" noChangeAspect="1" noMove="1" noResize="1" noEditPoints="1" noAdjustHandles="1" noChangeArrowheads="1" noChangeShapeType="1" noTextEdit="1"/>
-          </p:cNvSpPr>
-          <p:nvPr>
-            <p:extLst>
-              <p:ext uri="{386F3935-93C4-4BCD-93E2-E3B085C9AB24}">
-                <p16:designElem xmlns:p16="http://schemas.microsoft.com/office/powerpoint/2015/main" val="1"/>
-              </p:ext>
-            </p:extLst>
-          </p:nvPr>
-        </p:nvSpPr>
-        <p:spPr>
-          <a:xfrm>
-            <a:off x="5913121" y="-2"/>
-            <a:ext cx="6278879" cy="6858002"/>
-          </a:xfrm>
-          <a:custGeom>
-            <a:avLst/>
-            <a:gdLst>
-              <a:gd name="connsiteX0" fmla="*/ 45572 w 6278879"/>
-              <a:gd name="connsiteY0" fmla="*/ 0 h 6858002"/>
-              <a:gd name="connsiteX1" fmla="*/ 6278879 w 6278879"/>
-              <a:gd name="connsiteY1" fmla="*/ 0 h 6858002"/>
-              <a:gd name="connsiteX2" fmla="*/ 6278879 w 6278879"/>
-              <a:gd name="connsiteY2" fmla="*/ 6858002 h 6858002"/>
-              <a:gd name="connsiteX3" fmla="*/ 3292308 w 6278879"/>
-              <a:gd name="connsiteY3" fmla="*/ 6858002 h 6858002"/>
-              <a:gd name="connsiteX4" fmla="*/ 3181526 w 6278879"/>
-              <a:gd name="connsiteY4" fmla="*/ 6786982 h 6858002"/>
-              <a:gd name="connsiteX5" fmla="*/ 0 w 6278879"/>
-              <a:gd name="connsiteY5" fmla="*/ 803254 h 6858002"/>
-              <a:gd name="connsiteX6" fmla="*/ 37255 w 6278879"/>
-              <a:gd name="connsiteY6" fmla="*/ 65447 h 6858002"/>
-            </a:gdLst>
-            <a:ahLst/>
-            <a:cxnLst>
-              <a:cxn ang="0">
-                <a:pos x="connsiteX0" y="connsiteY0"/>
-              </a:cxn>
-              <a:cxn ang="0">
-                <a:pos x="connsiteX1" y="connsiteY1"/>
-              </a:cxn>
-              <a:cxn ang="0">
-                <a:pos x="connsiteX2" y="connsiteY2"/>
-              </a:cxn>
-              <a:cxn ang="0">
-                <a:pos x="connsiteX3" y="connsiteY3"/>
-              </a:cxn>
-              <a:cxn ang="0">
-                <a:pos x="connsiteX4" y="connsiteY4"/>
-              </a:cxn>
-              <a:cxn ang="0">
-                <a:pos x="connsiteX5" y="connsiteY5"/>
-              </a:cxn>
-              <a:cxn ang="0">
-                <a:pos x="connsiteX6" y="connsiteY6"/>
-              </a:cxn>
-            </a:cxnLst>
-            <a:rect l="l" t="t" r="r" b="b"/>
-            <a:pathLst>
-              <a:path w="6278879" h="6858002">
-                <a:moveTo>
-                  <a:pt x="45572" y="0"/>
-                </a:moveTo>
-                <a:lnTo>
-                  <a:pt x="6278879" y="0"/>
-                </a:lnTo>
-                <a:lnTo>
-                  <a:pt x="6278879" y="6858002"/>
-                </a:lnTo>
-                <a:lnTo>
-                  <a:pt x="3292308" y="6858002"/>
-                </a:lnTo>
-                <a:lnTo>
-                  <a:pt x="3181526" y="6786982"/>
-                </a:lnTo>
-                <a:cubicBezTo>
-                  <a:pt x="1262021" y="5490191"/>
-                  <a:pt x="0" y="3294103"/>
-                  <a:pt x="0" y="803254"/>
-                </a:cubicBezTo>
-                <a:cubicBezTo>
-                  <a:pt x="0" y="554169"/>
-                  <a:pt x="12620" y="308032"/>
-                  <a:pt x="37255" y="65447"/>
-                </a:cubicBezTo>
-                <a:close/>
-              </a:path>
-            </a:pathLst>
-          </a:custGeom>
-          <a:solidFill>
-            <a:schemeClr val="bg1">
-              <a:lumMod val="85000"/>
-              <a:lumOff val="15000"/>
-              <a:alpha val="70000"/>
-            </a:schemeClr>
-          </a:solidFill>
-          <a:ln>
-            <a:noFill/>
-          </a:ln>
-        </p:spPr>
-        <p:style>
-          <a:lnRef idx="2">
-            <a:schemeClr val="accent1">
-              <a:shade val="50000"/>
-            </a:schemeClr>
-          </a:lnRef>
-          <a:fillRef idx="1">
-            <a:schemeClr val="accent1"/>
-          </a:fillRef>
-          <a:effectRef idx="0">
-            <a:schemeClr val="accent1"/>
-          </a:effectRef>
-          <a:fontRef idx="minor">
-            <a:schemeClr val="lt1"/>
-          </a:fontRef>
-        </p:style>
-        <p:txBody>
-          <a:bodyPr rtlCol="0" anchor="ctr"/>
-          <a:lstStyle/>
-          <a:p>
-            <a:pPr marL="0" marR="0" lvl="0" indent="0" algn="ctr" defTabSz="914400" rtl="0" eaLnBrk="1" fontAlgn="auto" latinLnBrk="0" hangingPunct="1">
-              <a:lnSpc>
-                <a:spcPct val="100000"/>
-              </a:lnSpc>
-              <a:spcBef>
-                <a:spcPts val="0"/>
-              </a:spcBef>
-              <a:spcAft>
-                <a:spcPts val="0"/>
-              </a:spcAft>
-              <a:buClrTx/>
-              <a:buSzTx/>
-              <a:buFontTx/>
-              <a:buNone/>
-              <a:tabLst/>
-              <a:defRPr/>
-            </a:pPr>
-            <a:endParaRPr kumimoji="0" lang="en-US" sz="1800" b="0" i="0" u="none" strike="noStrike" kern="1200" cap="none" spc="0" normalizeH="0" baseline="0" noProof="0">
-              <a:ln>
-                <a:noFill/>
-              </a:ln>
-              <a:solidFill>
-                <a:prstClr val="white"/>
-              </a:solidFill>
-              <a:effectLst/>
-              <a:uLnTx/>
-              <a:uFillTx/>
-              <a:latin typeface="Calibri" panose="020F0502020204030204"/>
-              <a:ea typeface="+mn-ea"/>
-              <a:cs typeface="+mn-cs"/>
-            </a:endParaRPr>
-          </a:p>
-        </p:txBody>
-      </p:sp>
-      <p:cxnSp>
-        <p:nvCxnSpPr>
-          <p:cNvPr id="20" name="Straight Arrow Connector 12">
-            <a:extLst>
-              <a:ext uri="{FF2B5EF4-FFF2-40B4-BE49-F238E27FC236}">
-                <a16:creationId xmlns:a16="http://schemas.microsoft.com/office/drawing/2014/main" id="{B874EF51-C858-4BB9-97C3-D17755787127}"/>
-              </a:ext>
-            </a:extLst>
-          </p:cNvPr>
-          <p:cNvCxnSpPr>
-            <a:cxnSpLocks noGrp="1" noRot="1" noChangeAspect="1" noMove="1" noResize="1" noEditPoints="1" noAdjustHandles="1" noChangeArrowheads="1" noChangeShapeType="1"/>
-          </p:cNvCxnSpPr>
-          <p:nvPr>
-            <p:extLst>
-              <p:ext uri="{386F3935-93C4-4BCD-93E2-E3B085C9AB24}">
-                <p16:designElem xmlns:p16="http://schemas.microsoft.com/office/powerpoint/2015/main" val="1"/>
-              </p:ext>
-            </p:extLst>
-          </p:nvPr>
-        </p:nvCxnSpPr>
-        <p:spPr>
-          <a:xfrm>
-            <a:off x="763661" y="2316480"/>
-            <a:ext cx="8229600" cy="0"/>
-          </a:xfrm>
-          <a:prstGeom prst="straightConnector1">
-            <a:avLst/>
-          </a:prstGeom>
-          <a:ln w="19050" cap="sq">
-            <a:solidFill>
-              <a:schemeClr val="tx1"/>
-            </a:solidFill>
-            <a:tailEnd type="none"/>
-          </a:ln>
-        </p:spPr>
-        <p:style>
-          <a:lnRef idx="1">
-            <a:schemeClr val="accent1"/>
-          </a:lnRef>
-          <a:fillRef idx="0">
-            <a:schemeClr val="accent1"/>
-          </a:fillRef>
-          <a:effectRef idx="0">
-            <a:schemeClr val="accent1"/>
-          </a:effectRef>
-          <a:fontRef idx="minor">
-            <a:schemeClr val="tx1"/>
-          </a:fontRef>
-        </p:style>
-      </p:cxnSp>
-      <p:sp>
-        <p:nvSpPr>
-          <p:cNvPr id="5" name="제목 1">
-            <a:extLst>
-              <a:ext uri="{FF2B5EF4-FFF2-40B4-BE49-F238E27FC236}">
-                <a16:creationId xmlns:a16="http://schemas.microsoft.com/office/drawing/2014/main" id="{548AA46B-1A9E-4248-BED8-E6A7AD0F2D78}"/>
-              </a:ext>
-            </a:extLst>
-          </p:cNvPr>
-          <p:cNvSpPr txBox="1">
-            <a:spLocks/>
-          </p:cNvSpPr>
-          <p:nvPr/>
-        </p:nvSpPr>
-        <p:spPr>
-          <a:xfrm>
-            <a:off x="655320" y="365125"/>
-            <a:ext cx="9013052" cy="1623312"/>
-          </a:xfrm>
-          <a:prstGeom prst="rect">
-            <a:avLst/>
-          </a:prstGeom>
-        </p:spPr>
-        <p:txBody>
-          <a:bodyPr vert="horz" lIns="91440" tIns="45720" rIns="91440" bIns="45720" rtlCol="0" anchor="b">
-            <a:normAutofit/>
-          </a:bodyPr>
-          <a:lstStyle>
-            <a:lvl1pPr algn="l" defTabSz="457200" rtl="0" eaLnBrk="1" latinLnBrk="1" hangingPunct="1">
-              <a:spcBef>
-                <a:spcPct val="0"/>
-              </a:spcBef>
-              <a:buNone/>
-              <a:defRPr sz="3200" kern="1200" cap="all">
-                <a:ln w="3175" cmpd="sng">
-                  <a:noFill/>
-                </a:ln>
-                <a:gradFill flip="none" rotWithShape="1">
-                  <a:gsLst>
-                    <a:gs pos="0">
-                      <a:schemeClr val="tx1"/>
-                    </a:gs>
-                    <a:gs pos="100000">
-                      <a:schemeClr val="tx1">
-                        <a:lumMod val="65000"/>
-                      </a:schemeClr>
-                    </a:gs>
-                  </a:gsLst>
-                  <a:lin ang="5580000" scaled="0"/>
-                  <a:tileRect/>
-                </a:gradFill>
-                <a:effectLst>
-                  <a:glow rad="38100">
-                    <a:schemeClr val="bg1">
-                      <a:lumMod val="65000"/>
-                      <a:lumOff val="35000"/>
-                      <a:alpha val="40000"/>
-                    </a:schemeClr>
-                  </a:glow>
-                  <a:outerShdw blurRad="28575" dist="38100" dir="14040000" algn="tl" rotWithShape="0">
-                    <a:srgbClr val="000000">
-                      <a:alpha val="25000"/>
-                    </a:srgbClr>
-                  </a:outerShdw>
-                </a:effectLst>
-                <a:latin typeface="+mj-lt"/>
-                <a:ea typeface="+mj-ea"/>
-                <a:cs typeface="+mj-cs"/>
-              </a:defRPr>
-            </a:lvl1pPr>
-            <a:lvl2pPr eaLnBrk="1" latinLnBrk="1" hangingPunct="1">
-              <a:defRPr>
-                <a:solidFill>
-                  <a:schemeClr val="tx2"/>
-                </a:solidFill>
-              </a:defRPr>
-            </a:lvl2pPr>
-            <a:lvl3pPr eaLnBrk="1" latinLnBrk="1" hangingPunct="1">
-              <a:defRPr>
-                <a:solidFill>
-                  <a:schemeClr val="tx2"/>
-                </a:solidFill>
-              </a:defRPr>
-            </a:lvl3pPr>
-            <a:lvl4pPr eaLnBrk="1" latinLnBrk="1" hangingPunct="1">
-              <a:defRPr>
-                <a:solidFill>
-                  <a:schemeClr val="tx2"/>
-                </a:solidFill>
-              </a:defRPr>
-            </a:lvl4pPr>
-            <a:lvl5pPr eaLnBrk="1" latinLnBrk="1" hangingPunct="1">
-              <a:defRPr>
-                <a:solidFill>
-                  <a:schemeClr val="tx2"/>
-                </a:solidFill>
-              </a:defRPr>
-            </a:lvl5pPr>
-            <a:lvl6pPr eaLnBrk="1" latinLnBrk="1" hangingPunct="1">
-              <a:defRPr>
-                <a:solidFill>
-                  <a:schemeClr val="tx2"/>
-                </a:solidFill>
-              </a:defRPr>
-            </a:lvl6pPr>
-            <a:lvl7pPr eaLnBrk="1" latinLnBrk="1" hangingPunct="1">
-              <a:defRPr>
-                <a:solidFill>
-                  <a:schemeClr val="tx2"/>
-                </a:solidFill>
-              </a:defRPr>
-            </a:lvl7pPr>
-            <a:lvl8pPr eaLnBrk="1" latinLnBrk="1" hangingPunct="1">
-              <a:defRPr>
-                <a:solidFill>
-                  <a:schemeClr val="tx2"/>
-                </a:solidFill>
-              </a:defRPr>
-            </a:lvl8pPr>
-            <a:lvl9pPr eaLnBrk="1" latinLnBrk="1" hangingPunct="1">
-              <a:defRPr>
-                <a:solidFill>
-                  <a:schemeClr val="tx2"/>
-                </a:solidFill>
-              </a:defRPr>
-            </a:lvl9pPr>
-          </a:lstStyle>
-          <a:p>
-            <a:pPr defTabSz="914400" latinLnBrk="0">
-              <a:lnSpc>
-                <a:spcPct val="90000"/>
-              </a:lnSpc>
-              <a:spcAft>
-                <a:spcPts val="600"/>
-              </a:spcAft>
-            </a:pPr>
-            <a:r>
-              <a:rPr lang="ko-KR" altLang="en-US" sz="4000" kern="1200">
-                <a:solidFill>
-                  <a:schemeClr val="tx1"/>
-                </a:solidFill>
-                <a:latin typeface="+mj-lt"/>
-                <a:ea typeface="+mj-ea"/>
-                <a:cs typeface="+mj-cs"/>
-              </a:rPr>
-              <a:t>개발 일정</a:t>
-            </a:r>
-          </a:p>
-        </p:txBody>
-      </p:sp>
-      <p:graphicFrame>
-        <p:nvGraphicFramePr>
-          <p:cNvPr id="14" name="내용 개체 틀 3">
-            <a:extLst>
-              <a:ext uri="{FF2B5EF4-FFF2-40B4-BE49-F238E27FC236}">
-                <a16:creationId xmlns:a16="http://schemas.microsoft.com/office/drawing/2014/main" id="{BC15D1F3-68D5-45C6-B4BA-210932F89566}"/>
-              </a:ext>
-            </a:extLst>
-          </p:cNvPr>
-          <p:cNvGraphicFramePr>
-            <a:graphicFrameLocks/>
-          </p:cNvGraphicFramePr>
-          <p:nvPr>
-            <p:extLst>
-              <p:ext uri="{D42A27DB-BD31-4B8C-83A1-F6EECF244321}">
-                <p14:modId xmlns:p14="http://schemas.microsoft.com/office/powerpoint/2010/main" val="2342682244"/>
-              </p:ext>
-            </p:extLst>
-          </p:nvPr>
-        </p:nvGraphicFramePr>
-        <p:xfrm>
-          <a:off x="655320" y="2470763"/>
-          <a:ext cx="10353675" cy="3959127"/>
-        </p:xfrm>
-        <a:graphic>
-          <a:graphicData uri="http://schemas.openxmlformats.org/drawingml/2006/table">
-            <a:tbl>
-              <a:tblPr firstRow="1" bandRow="1">
-                <a:tableStyleId>{21E4AEA4-8DFA-4A89-87EB-49C32662AFE0}</a:tableStyleId>
-              </a:tblPr>
-              <a:tblGrid>
-                <a:gridCol w="1320316">
-                  <a:extLst>
-                    <a:ext uri="{9D8B030D-6E8A-4147-A177-3AD203B41FA5}">
-                      <a16:colId xmlns:a16="http://schemas.microsoft.com/office/drawing/2014/main" val="3150067722"/>
-                    </a:ext>
-                  </a:extLst>
-                </a:gridCol>
-                <a:gridCol w="3345285">
-                  <a:extLst>
-                    <a:ext uri="{9D8B030D-6E8A-4147-A177-3AD203B41FA5}">
-                      <a16:colId xmlns:a16="http://schemas.microsoft.com/office/drawing/2014/main" val="2145024002"/>
-                    </a:ext>
-                  </a:extLst>
-                </a:gridCol>
-                <a:gridCol w="5688074">
-                  <a:extLst>
-                    <a:ext uri="{9D8B030D-6E8A-4147-A177-3AD203B41FA5}">
-                      <a16:colId xmlns:a16="http://schemas.microsoft.com/office/drawing/2014/main" val="2329475309"/>
-                    </a:ext>
-                  </a:extLst>
-                </a:gridCol>
-              </a:tblGrid>
-              <a:tr h="218551">
-                <a:tc>
-                  <a:txBody>
-                    <a:bodyPr/>
-                    <a:lstStyle/>
-                    <a:p>
-                      <a:pPr algn="ctr" latinLnBrk="1"/>
-                      <a:r>
-                        <a:rPr lang="ko-KR" altLang="en-US" sz="1600" dirty="0"/>
-                        <a:t>주차</a:t>
+                        <a:t>실제 개발 완료 범위</a:t>
                       </a:r>
                     </a:p>
                   </a:txBody>
@@ -5634,21 +4632,7 @@
                       <a:pPr algn="ctr" latinLnBrk="1"/>
                       <a:r>
                         <a:rPr lang="ko-KR" altLang="en-US" sz="1600" dirty="0"/>
-                        <a:t>계획</a:t>
-                      </a:r>
-                    </a:p>
-                  </a:txBody>
-                  <a:tcPr marL="90032" marR="90032" anchor="ctr"/>
-                </a:tc>
-                <a:tc>
-                  <a:txBody>
-                    <a:bodyPr/>
-                    <a:lstStyle/>
-                    <a:p>
-                      <a:pPr algn="ctr" latinLnBrk="1"/>
-                      <a:r>
-                        <a:rPr lang="ko-KR" altLang="en-US" sz="1600" dirty="0"/>
-                        <a:t>세부계획</a:t>
+                        <a:t>진척도</a:t>
                       </a:r>
                     </a:p>
                   </a:txBody>
@@ -5668,20 +4652,12 @@
                     <a:p>
                       <a:pPr algn="ctr" latinLnBrk="1"/>
                       <a:r>
-                        <a:rPr lang="en-US" altLang="ko-KR" sz="1200" dirty="0"/>
-                        <a:t>1</a:t>
-                      </a:r>
-                      <a:endParaRPr lang="ko-KR" altLang="en-US" sz="1200" dirty="0"/>
+                        <a:rPr lang="ko-KR" altLang="en-US" sz="1400" dirty="0"/>
+                        <a:t>맵</a:t>
+                      </a:r>
                     </a:p>
                   </a:txBody>
-                  <a:tcPr marL="90032" marR="90032" anchor="ctr">
-                    <a:solidFill>
-                      <a:schemeClr val="accent2">
-                        <a:lumMod val="40000"/>
-                        <a:lumOff val="60000"/>
-                      </a:schemeClr>
-                    </a:solidFill>
-                  </a:tcPr>
+                  <a:tcPr marL="90032" marR="90032" anchor="ctr"/>
                 </a:tc>
                 <a:tc>
                   <a:txBody>
@@ -5690,19 +4666,16 @@
                     <a:p>
                       <a:pPr algn="ctr" latinLnBrk="1"/>
                       <a:r>
-                        <a:rPr lang="ko-KR" altLang="en-US" sz="1200" dirty="0"/>
-                        <a:t>기획서 작성</a:t>
+                        <a:rPr lang="en-US" altLang="ko-KR" sz="1400" dirty="0"/>
+                        <a:t>3</a:t>
+                      </a:r>
+                      <a:r>
+                        <a:rPr lang="ko-KR" altLang="en-US" sz="1400" dirty="0"/>
+                        <a:t>가지 배경의 스테이지</a:t>
                       </a:r>
                     </a:p>
                   </a:txBody>
-                  <a:tcPr marL="90032" marR="90032" anchor="ctr">
-                    <a:solidFill>
-                      <a:schemeClr val="accent2">
-                        <a:lumMod val="40000"/>
-                        <a:lumOff val="60000"/>
-                      </a:schemeClr>
-                    </a:solidFill>
-                  </a:tcPr>
+                  <a:tcPr marL="90032" marR="90032" anchor="ctr"/>
                 </a:tc>
                 <a:tc>
                   <a:txBody>
@@ -5711,20 +4684,31 @@
                     <a:p>
                       <a:pPr algn="ctr" latinLnBrk="1"/>
                       <a:r>
-                        <a:rPr lang="ko-KR" altLang="en-US" sz="1200" dirty="0"/>
-                        <a:t>기획서 작성</a:t>
-                      </a:r>
-                      <a:endParaRPr lang="en-US" altLang="ko-KR" sz="1200" dirty="0"/>
+                        <a:rPr lang="en-US" altLang="ko-KR" sz="1400" dirty="0"/>
+                        <a:t>2</a:t>
+                      </a:r>
+                      <a:r>
+                        <a:rPr lang="ko-KR" altLang="en-US" sz="1400" dirty="0"/>
+                        <a:t>가지 배경의 스테이지 구현</a:t>
+                      </a:r>
+                      <a:endParaRPr lang="en-US" altLang="ko-KR" sz="1400" dirty="0"/>
                     </a:p>
                   </a:txBody>
-                  <a:tcPr marL="90032" marR="90032" anchor="ctr">
-                    <a:solidFill>
-                      <a:schemeClr val="accent2">
-                        <a:lumMod val="40000"/>
-                        <a:lumOff val="60000"/>
-                      </a:schemeClr>
-                    </a:solidFill>
-                  </a:tcPr>
+                  <a:tcPr marL="90032" marR="90032" anchor="ctr"/>
+                </a:tc>
+                <a:tc>
+                  <a:txBody>
+                    <a:bodyPr/>
+                    <a:lstStyle/>
+                    <a:p>
+                      <a:pPr algn="ctr" latinLnBrk="1"/>
+                      <a:r>
+                        <a:rPr lang="en-US" altLang="ko-KR" sz="1400" dirty="0"/>
+                        <a:t>66%</a:t>
+                      </a:r>
+                    </a:p>
+                  </a:txBody>
+                  <a:tcPr marL="90032" marR="90032" anchor="ctr"/>
                 </a:tc>
                 <a:extLst>
                   <a:ext uri="{0D108BD9-81ED-4DB2-BD59-A6C34878D82A}">
@@ -5740,20 +4724,12 @@
                     <a:p>
                       <a:pPr algn="ctr" latinLnBrk="1"/>
                       <a:r>
-                        <a:rPr lang="en-US" altLang="ko-KR" sz="1200" dirty="0"/>
-                        <a:t>2</a:t>
-                      </a:r>
-                      <a:endParaRPr lang="ko-KR" altLang="en-US" sz="1200" dirty="0"/>
+                        <a:rPr lang="ko-KR" altLang="en-US" sz="1400" dirty="0"/>
+                        <a:t>캐릭터 컨트롤러</a:t>
+                      </a:r>
                     </a:p>
                   </a:txBody>
-                  <a:tcPr marL="90032" marR="90032" anchor="ctr">
-                    <a:solidFill>
-                      <a:schemeClr val="accent2">
-                        <a:lumMod val="40000"/>
-                        <a:lumOff val="60000"/>
-                      </a:schemeClr>
-                    </a:solidFill>
-                  </a:tcPr>
+                  <a:tcPr marL="90032" marR="90032" anchor="ctr"/>
                 </a:tc>
                 <a:tc>
                   <a:txBody>
@@ -5778,19 +4754,36 @@
                         <a:defRPr/>
                       </a:pPr>
                       <a:r>
-                        <a:rPr lang="ko-KR" altLang="en-US" sz="1200" dirty="0"/>
-                        <a:t>오브젝트</a:t>
+                        <a:rPr lang="ko-KR" altLang="en-US" sz="1400" dirty="0"/>
+                        <a:t>좌</a:t>
+                      </a:r>
+                      <a:r>
+                        <a:rPr lang="en-US" altLang="ko-KR" sz="1400" dirty="0"/>
+                        <a:t>, </a:t>
+                      </a:r>
+                      <a:r>
+                        <a:rPr lang="ko-KR" altLang="en-US" sz="1400" dirty="0"/>
+                        <a:t>우</a:t>
+                      </a:r>
+                      <a:r>
+                        <a:rPr lang="en-US" altLang="ko-KR" sz="1400" dirty="0"/>
+                        <a:t>,</a:t>
+                      </a:r>
+                      <a:r>
+                        <a:rPr lang="ko-KR" altLang="en-US" sz="1400" dirty="0"/>
+                        <a:t>점프</a:t>
+                      </a:r>
+                      <a:r>
+                        <a:rPr lang="en-US" altLang="ko-KR" sz="1400" dirty="0"/>
+                        <a:t>, 2</a:t>
+                      </a:r>
+                      <a:r>
+                        <a:rPr lang="ko-KR" altLang="en-US" sz="1400" dirty="0"/>
+                        <a:t>단 점프</a:t>
                       </a:r>
                     </a:p>
                   </a:txBody>
-                  <a:tcPr marL="90032" marR="90032" anchor="ctr">
-                    <a:solidFill>
-                      <a:schemeClr val="accent2">
-                        <a:lumMod val="40000"/>
-                        <a:lumOff val="60000"/>
-                      </a:schemeClr>
-                    </a:solidFill>
-                  </a:tcPr>
+                  <a:tcPr marL="90032" marR="90032" anchor="ctr"/>
                 </a:tc>
                 <a:tc>
                   <a:txBody>
@@ -5801,52 +4794,29 @@
                         <a:buNone/>
                       </a:pPr>
                       <a:r>
-                        <a:rPr lang="ko-KR" altLang="en-US" sz="1200" dirty="0"/>
-                        <a:t>기본 캐릭터 오브젝트 계획</a:t>
-                      </a:r>
-                      <a:r>
-                        <a:rPr lang="en-US" altLang="ko-KR" sz="1200" dirty="0"/>
-                        <a:t>, </a:t>
-                      </a:r>
-                      <a:r>
-                        <a:rPr lang="ko-KR" altLang="en-US" sz="1200" dirty="0"/>
-                        <a:t>수집 및 제작</a:t>
-                      </a:r>
-                      <a:r>
-                        <a:rPr lang="en-US" altLang="ko-KR" sz="1200" dirty="0"/>
-                        <a:t>(90%)</a:t>
-                      </a:r>
+                        <a:rPr lang="ko-KR" altLang="en-US" sz="1400" dirty="0"/>
+                        <a:t>모두 구현</a:t>
+                      </a:r>
+                      <a:endParaRPr lang="en-US" altLang="ko-KR" sz="1400" dirty="0"/>
                     </a:p>
+                  </a:txBody>
+                  <a:tcPr marL="90032" marR="90032" anchor="ctr"/>
+                </a:tc>
+                <a:tc>
+                  <a:txBody>
+                    <a:bodyPr/>
+                    <a:lstStyle/>
                     <a:p>
                       <a:pPr marL="0" indent="0" algn="ctr" latinLnBrk="1">
                         <a:buNone/>
                       </a:pPr>
                       <a:r>
-                        <a:rPr lang="ko-KR" altLang="en-US" sz="1200" dirty="0"/>
-                        <a:t>스테이지 계획</a:t>
-                      </a:r>
-                      <a:r>
-                        <a:rPr lang="en-US" altLang="ko-KR" sz="1200" dirty="0"/>
-                        <a:t>, </a:t>
-                      </a:r>
-                      <a:r>
-                        <a:rPr lang="ko-KR" altLang="en-US" sz="1200" dirty="0"/>
-                        <a:t>이미지 수집 및 제작 </a:t>
-                      </a:r>
-                      <a:r>
-                        <a:rPr lang="en-US" altLang="ko-KR" sz="1200" dirty="0"/>
-                        <a:t>(90%)</a:t>
+                        <a:rPr lang="en-US" altLang="ko-KR" sz="1400" dirty="0"/>
+                        <a:t>100%</a:t>
                       </a:r>
                     </a:p>
                   </a:txBody>
-                  <a:tcPr marL="90032" marR="90032" anchor="ctr">
-                    <a:solidFill>
-                      <a:schemeClr val="accent2">
-                        <a:lumMod val="40000"/>
-                        <a:lumOff val="60000"/>
-                      </a:schemeClr>
-                    </a:solidFill>
-                  </a:tcPr>
+                  <a:tcPr marL="90032" marR="90032" anchor="ctr"/>
                 </a:tc>
                 <a:extLst>
                   <a:ext uri="{0D108BD9-81ED-4DB2-BD59-A6C34878D82A}">
@@ -5862,20 +4832,12 @@
                     <a:p>
                       <a:pPr algn="ctr" latinLnBrk="1"/>
                       <a:r>
-                        <a:rPr lang="en-US" altLang="ko-KR" sz="1200" dirty="0"/>
-                        <a:t>3</a:t>
-                      </a:r>
-                      <a:endParaRPr lang="ko-KR" altLang="en-US" sz="1200" dirty="0"/>
+                        <a:rPr lang="ko-KR" altLang="en-US" sz="1400" dirty="0"/>
+                        <a:t>게임 코어 기능</a:t>
+                      </a:r>
                     </a:p>
                   </a:txBody>
-                  <a:tcPr marL="90032" marR="90032" anchor="ctr">
-                    <a:solidFill>
-                      <a:schemeClr val="accent2">
-                        <a:lumMod val="40000"/>
-                        <a:lumOff val="60000"/>
-                      </a:schemeClr>
-                    </a:solidFill>
-                  </a:tcPr>
+                  <a:tcPr marL="90032" marR="90032" anchor="ctr"/>
                 </a:tc>
                 <a:tc>
                   <a:txBody>
@@ -5884,19 +4846,24 @@
                     <a:p>
                       <a:pPr algn="ctr" latinLnBrk="1"/>
                       <a:r>
-                        <a:rPr lang="ko-KR" altLang="en-US" sz="1200" dirty="0"/>
-                        <a:t>게임 상태 및 프레임워크 </a:t>
+                        <a:rPr lang="ko-KR" altLang="en-US" sz="1400" dirty="0"/>
+                        <a:t>장애물 및 적 만날 시 </a:t>
+                      </a:r>
+                      <a:endParaRPr lang="en-US" altLang="ko-KR" sz="1400" dirty="0"/>
+                    </a:p>
+                    <a:p>
+                      <a:pPr algn="ctr" latinLnBrk="1"/>
+                      <a:r>
+                        <a:rPr lang="ko-KR" altLang="en-US" sz="1400" dirty="0" err="1"/>
+                        <a:t>상태알림창</a:t>
+                      </a:r>
+                      <a:r>
+                        <a:rPr lang="ko-KR" altLang="en-US" sz="1400" dirty="0"/>
+                        <a:t> 구현</a:t>
                       </a:r>
                     </a:p>
                   </a:txBody>
-                  <a:tcPr marL="90032" marR="90032" anchor="ctr">
-                    <a:solidFill>
-                      <a:schemeClr val="accent2">
-                        <a:lumMod val="40000"/>
-                        <a:lumOff val="60000"/>
-                      </a:schemeClr>
-                    </a:solidFill>
-                  </a:tcPr>
+                  <a:tcPr marL="90032" marR="90032" anchor="ctr"/>
                 </a:tc>
                 <a:tc>
                   <a:txBody>
@@ -5907,53 +4874,29 @@
                         <a:buNone/>
                       </a:pPr>
                       <a:r>
-                        <a:rPr lang="en-US" altLang="ko-KR" sz="1200" dirty="0"/>
-                        <a:t>STATE</a:t>
-                      </a:r>
-                      <a:r>
-                        <a:rPr lang="ko-KR" altLang="en-US" sz="1200" dirty="0"/>
-                        <a:t> 제작 </a:t>
-                      </a:r>
-                      <a:r>
-                        <a:rPr lang="en-US" altLang="ko-KR" sz="1200" dirty="0"/>
-                        <a:t>(100%)</a:t>
-                      </a:r>
+                        <a:rPr lang="ko-KR" altLang="en-US" sz="1400" dirty="0"/>
+                        <a:t>구현 못함</a:t>
+                      </a:r>
+                      <a:endParaRPr lang="en-US" altLang="ko-KR" sz="1400" dirty="0"/>
                     </a:p>
+                  </a:txBody>
+                  <a:tcPr marL="90032" marR="90032" anchor="ctr"/>
+                </a:tc>
+                <a:tc>
+                  <a:txBody>
+                    <a:bodyPr/>
+                    <a:lstStyle/>
                     <a:p>
                       <a:pPr marL="0" indent="0" algn="ctr" latinLnBrk="1">
                         <a:buNone/>
                       </a:pPr>
                       <a:r>
-                        <a:rPr lang="ko-KR" altLang="en-US" sz="1200" dirty="0"/>
-                        <a:t>시간을 사용하기 위한 프레임워크 구현 </a:t>
-                      </a:r>
-                      <a:r>
-                        <a:rPr lang="en-US" altLang="ko-KR" sz="1200" dirty="0"/>
-                        <a:t>(100%)</a:t>
-                      </a:r>
-                    </a:p>
-                    <a:p>
-                      <a:pPr marL="0" indent="0" algn="ctr" latinLnBrk="1">
-                        <a:buNone/>
-                      </a:pPr>
-                      <a:r>
-                        <a:rPr lang="ko-KR" altLang="en-US" sz="1200" dirty="0"/>
-                        <a:t>클래스 별 파일 분할 및 수정 </a:t>
-                      </a:r>
-                      <a:r>
-                        <a:rPr lang="en-US" altLang="ko-KR" sz="1200" dirty="0"/>
-                        <a:t>(100%)</a:t>
+                        <a:rPr lang="en-US" altLang="ko-KR" sz="1400" dirty="0"/>
+                        <a:t>0%</a:t>
                       </a:r>
                     </a:p>
                   </a:txBody>
-                  <a:tcPr marL="90032" marR="90032" anchor="ctr">
-                    <a:solidFill>
-                      <a:schemeClr val="accent2">
-                        <a:lumMod val="40000"/>
-                        <a:lumOff val="60000"/>
-                      </a:schemeClr>
-                    </a:solidFill>
-                  </a:tcPr>
+                  <a:tcPr marL="90032" marR="90032" anchor="ctr"/>
                 </a:tc>
                 <a:extLst>
                   <a:ext uri="{0D108BD9-81ED-4DB2-BD59-A6C34878D82A}">
@@ -5969,20 +4912,12 @@
                     <a:p>
                       <a:pPr algn="ctr" latinLnBrk="1"/>
                       <a:r>
-                        <a:rPr lang="en-US" altLang="ko-KR" sz="1200" dirty="0"/>
-                        <a:t>4</a:t>
-                      </a:r>
-                      <a:endParaRPr lang="ko-KR" altLang="en-US" sz="1200" dirty="0"/>
+                        <a:rPr lang="ko-KR" altLang="en-US" sz="1400" dirty="0"/>
+                        <a:t>모델링</a:t>
+                      </a:r>
                     </a:p>
                   </a:txBody>
-                  <a:tcPr marL="90032" marR="90032" anchor="ctr">
-                    <a:solidFill>
-                      <a:schemeClr val="accent2">
-                        <a:lumMod val="40000"/>
-                        <a:lumOff val="60000"/>
-                      </a:schemeClr>
-                    </a:solidFill>
-                  </a:tcPr>
+                  <a:tcPr marL="90032" marR="90032" anchor="ctr"/>
                 </a:tc>
                 <a:tc>
                   <a:txBody>
@@ -5991,27 +4926,12 @@
                     <a:p>
                       <a:pPr algn="ctr" latinLnBrk="1"/>
                       <a:r>
-                        <a:rPr lang="ko-KR" altLang="en-US" sz="1200" dirty="0"/>
-                        <a:t>캐릭터 컨트롤러 구현</a:t>
-                      </a:r>
-                      <a:endParaRPr lang="en-US" altLang="ko-KR" sz="1200" dirty="0"/>
-                    </a:p>
-                    <a:p>
-                      <a:pPr algn="ctr" latinLnBrk="1"/>
-                      <a:r>
-                        <a:rPr lang="ko-KR" altLang="en-US" sz="1200" dirty="0"/>
-                        <a:t>중간 점검</a:t>
+                        <a:rPr lang="ko-KR" altLang="en-US" sz="1400" dirty="0"/>
+                        <a:t>주인공 캐릭터 및 적</a:t>
                       </a:r>
                     </a:p>
                   </a:txBody>
-                  <a:tcPr marL="90032" marR="90032" anchor="ctr">
-                    <a:solidFill>
-                      <a:schemeClr val="accent2">
-                        <a:lumMod val="40000"/>
-                        <a:lumOff val="60000"/>
-                      </a:schemeClr>
-                    </a:solidFill>
-                  </a:tcPr>
+                  <a:tcPr marL="90032" marR="90032" anchor="ctr"/>
                 </a:tc>
                 <a:tc>
                   <a:txBody>
@@ -6020,58 +4940,27 @@
                     <a:p>
                       <a:pPr algn="ctr" latinLnBrk="1"/>
                       <a:r>
-                        <a:rPr lang="ko-KR" altLang="en-US" sz="1200" dirty="0"/>
-                        <a:t>캐릭터 </a:t>
-                      </a:r>
-                      <a:r>
-                        <a:rPr lang="ko-KR" altLang="en-US" sz="1200" dirty="0" err="1"/>
-                        <a:t>스프라이트</a:t>
-                      </a:r>
-                      <a:r>
-                        <a:rPr lang="ko-KR" altLang="en-US" sz="1200" dirty="0"/>
-                        <a:t> 시트 제작 </a:t>
-                      </a:r>
-                      <a:r>
-                        <a:rPr lang="en-US" altLang="ko-KR" sz="1200" dirty="0"/>
-                        <a:t>(100%)</a:t>
+                        <a:rPr lang="ko-KR" altLang="en-US" sz="1400" dirty="0"/>
+                        <a:t>스테이지 별로 적 구현</a:t>
                       </a:r>
                     </a:p>
+                  </a:txBody>
+                  <a:tcPr marL="90032" marR="90032" anchor="ctr"/>
+                </a:tc>
+                <a:tc>
+                  <a:txBody>
+                    <a:bodyPr/>
+                    <a:lstStyle/>
                     <a:p>
                       <a:pPr algn="ctr" latinLnBrk="1"/>
                       <a:r>
-                        <a:rPr lang="ko-KR" altLang="en-US" sz="1200" dirty="0"/>
-                        <a:t>키 입력에 따른 캐릭터의 움직임 구현 </a:t>
-                      </a:r>
-                      <a:r>
-                        <a:rPr lang="en-US" altLang="ko-KR" sz="1200" dirty="0"/>
-                        <a:t>(100%)</a:t>
-                      </a:r>
-                    </a:p>
-                    <a:p>
-                      <a:pPr algn="ctr" latinLnBrk="1"/>
-                      <a:r>
-                        <a:rPr lang="en-US" altLang="ko-KR" sz="1200" dirty="0"/>
-                        <a:t>1~4 </a:t>
-                      </a:r>
-                      <a:r>
-                        <a:rPr lang="ko-KR" altLang="en-US" sz="1200" dirty="0"/>
-                        <a:t>주차 점검 및 보완 </a:t>
-                      </a:r>
-                      <a:r>
-                        <a:rPr lang="en-US" altLang="ko-KR" sz="1200" dirty="0"/>
-                        <a:t>(90%)</a:t>
-                      </a:r>
-                      <a:endParaRPr lang="ko-KR" altLang="en-US" sz="1200" dirty="0"/>
+                        <a:rPr lang="en-US" altLang="ko-KR" sz="1400" dirty="0"/>
+                        <a:t>100%</a:t>
+                      </a:r>
+                      <a:endParaRPr lang="ko-KR" altLang="en-US" sz="1400" dirty="0"/>
                     </a:p>
                   </a:txBody>
-                  <a:tcPr marL="90032" marR="90032" anchor="ctr">
-                    <a:solidFill>
-                      <a:schemeClr val="accent2">
-                        <a:lumMod val="40000"/>
-                        <a:lumOff val="60000"/>
-                      </a:schemeClr>
-                    </a:solidFill>
-                  </a:tcPr>
+                  <a:tcPr marL="90032" marR="90032" anchor="ctr"/>
                 </a:tc>
                 <a:extLst>
                   <a:ext uri="{0D108BD9-81ED-4DB2-BD59-A6C34878D82A}">
@@ -6079,7 +4968,7 @@
                   </a:ext>
                 </a:extLst>
               </a:tr>
-              <a:tr h="332007">
+              <a:tr h="320040">
                 <a:tc>
                   <a:txBody>
                     <a:bodyPr/>
@@ -6087,43 +4976,36 @@
                     <a:p>
                       <a:pPr algn="ctr" latinLnBrk="1"/>
                       <a:r>
-                        <a:rPr lang="en-US" altLang="ko-KR" sz="1200" dirty="0"/>
-                        <a:t>5</a:t>
-                      </a:r>
-                      <a:endParaRPr lang="ko-KR" altLang="en-US" sz="1200" dirty="0"/>
+                        <a:rPr lang="ko-KR" altLang="en-US" sz="1400" dirty="0"/>
+                        <a:t>게임 난이도</a:t>
+                      </a:r>
                     </a:p>
                   </a:txBody>
-                  <a:tcPr marL="90032" marR="90032" anchor="ctr">
-                    <a:solidFill>
-                      <a:schemeClr val="accent2">
-                        <a:lumMod val="40000"/>
-                        <a:lumOff val="60000"/>
-                      </a:schemeClr>
-                    </a:solidFill>
-                  </a:tcPr>
+                  <a:tcPr marL="90032" marR="90032" anchor="ctr"/>
                 </a:tc>
-                <a:tc rowSpan="2">
+                <a:tc>
                   <a:txBody>
                     <a:bodyPr/>
                     <a:lstStyle/>
                     <a:p>
                       <a:pPr algn="ctr" latinLnBrk="1"/>
                       <a:r>
-                        <a:rPr lang="ko-KR" altLang="en-US" sz="1200" dirty="0"/>
-                        <a:t>장애물 및 충돌체크</a:t>
+                        <a:rPr lang="ko-KR" altLang="en-US" sz="1400" dirty="0"/>
+                        <a:t>적들의 다양한 움직임</a:t>
+                      </a:r>
+                      <a:endParaRPr lang="en-US" altLang="ko-KR" sz="1400" dirty="0"/>
+                    </a:p>
+                    <a:p>
+                      <a:pPr algn="ctr" latinLnBrk="1"/>
+                      <a:r>
+                        <a:rPr lang="ko-KR" altLang="en-US" sz="1400" dirty="0"/>
+                        <a:t>지형의 변화</a:t>
                       </a:r>
                     </a:p>
                   </a:txBody>
-                  <a:tcPr marL="90032" marR="90032" anchor="ctr">
-                    <a:solidFill>
-                      <a:schemeClr val="accent2">
-                        <a:lumMod val="40000"/>
-                        <a:lumOff val="60000"/>
-                      </a:schemeClr>
-                    </a:solidFill>
-                  </a:tcPr>
+                  <a:tcPr marL="90032" marR="90032" anchor="ctr"/>
                 </a:tc>
-                <a:tc rowSpan="2">
+                <a:tc>
                   <a:txBody>
                     <a:bodyPr/>
                     <a:lstStyle/>
@@ -6132,49 +5014,29 @@
                         <a:buNone/>
                       </a:pPr>
                       <a:r>
-                        <a:rPr lang="ko-KR" altLang="en-US" sz="1200" dirty="0"/>
-                        <a:t>장애물 오브젝트 수집 및 제작 </a:t>
-                      </a:r>
-                      <a:r>
-                        <a:rPr lang="en-US" altLang="ko-KR" sz="1200" dirty="0"/>
-                        <a:t>(80%)</a:t>
-                      </a:r>
+                        <a:rPr lang="ko-KR" altLang="en-US" sz="1400" dirty="0"/>
+                        <a:t>모두 구현</a:t>
+                      </a:r>
+                      <a:endParaRPr lang="en-US" altLang="ko-KR" sz="1400" dirty="0"/>
                     </a:p>
+                  </a:txBody>
+                  <a:tcPr marL="90032" marR="90032" anchor="ctr"/>
+                </a:tc>
+                <a:tc>
+                  <a:txBody>
+                    <a:bodyPr/>
+                    <a:lstStyle/>
                     <a:p>
                       <a:pPr marL="0" indent="0" algn="ctr" latinLnBrk="1">
                         <a:buNone/>
                       </a:pPr>
                       <a:r>
-                        <a:rPr lang="ko-KR" altLang="en-US" sz="1200" dirty="0"/>
-                        <a:t>장애물과 캐릭터 간의 충돌 체크 </a:t>
-                      </a:r>
-                      <a:r>
-                        <a:rPr lang="en-US" altLang="ko-KR" sz="1200" dirty="0"/>
-                        <a:t>(100%)</a:t>
-                      </a:r>
-                    </a:p>
-                    <a:p>
-                      <a:pPr marL="0" indent="0" algn="ctr" latinLnBrk="1">
-                        <a:buNone/>
-                      </a:pPr>
-                      <a:r>
-                        <a:rPr lang="ko-KR" altLang="en-US" sz="1200" dirty="0"/>
-                        <a:t>충돌 시에 캐릭터의 생명 감소 구현 </a:t>
-                      </a:r>
-                      <a:r>
-                        <a:rPr lang="en-US" altLang="ko-KR" sz="1200" dirty="0"/>
-                        <a:t>(100%)</a:t>
+                        <a:rPr lang="en-US" altLang="ko-KR" sz="1400" dirty="0"/>
+                        <a:t>100%</a:t>
                       </a:r>
                     </a:p>
                   </a:txBody>
-                  <a:tcPr marL="90032" marR="90032" anchor="ctr">
-                    <a:solidFill>
-                      <a:schemeClr val="accent2">
-                        <a:lumMod val="40000"/>
-                        <a:lumOff val="60000"/>
-                      </a:schemeClr>
-                    </a:solidFill>
-                  </a:tcPr>
+                  <a:tcPr marL="90032" marR="90032" anchor="ctr"/>
                 </a:tc>
                 <a:extLst>
                   <a:ext uri="{0D108BD9-81ED-4DB2-BD59-A6C34878D82A}">
@@ -6182,7 +5044,7 @@
                   </a:ext>
                 </a:extLst>
               </a:tr>
-              <a:tr h="182126">
+              <a:tr h="320040">
                 <a:tc>
                   <a:txBody>
                     <a:bodyPr/>
@@ -6190,96 +5052,13 @@
                     <a:p>
                       <a:pPr algn="ctr" latinLnBrk="1"/>
                       <a:r>
-                        <a:rPr lang="en-US" altLang="ko-KR" sz="1200" dirty="0"/>
-                        <a:t>6</a:t>
-                      </a:r>
-                      <a:endParaRPr lang="ko-KR" altLang="en-US" sz="1200" dirty="0"/>
+                        <a:rPr lang="ko-KR" altLang="en-US" sz="1400" dirty="0"/>
+                        <a:t>사운드</a:t>
+                      </a:r>
                     </a:p>
                   </a:txBody>
-                  <a:tcPr marL="90032" marR="90032" anchor="ctr">
-                    <a:solidFill>
-                      <a:schemeClr val="accent2">
-                        <a:lumMod val="40000"/>
-                        <a:lumOff val="60000"/>
-                      </a:schemeClr>
-                    </a:solidFill>
-                  </a:tcPr>
+                  <a:tcPr marL="90032" marR="90032" anchor="ctr"/>
                 </a:tc>
-                <a:tc vMerge="1">
-                  <a:txBody>
-                    <a:bodyPr/>
-                    <a:lstStyle/>
-                    <a:p>
-                      <a:pPr marL="0" marR="0" lvl="0" indent="0" algn="ctr" defTabSz="457200" rtl="0" eaLnBrk="1" fontAlgn="auto" latinLnBrk="1" hangingPunct="1">
-                        <a:lnSpc>
-                          <a:spcPct val="100000"/>
-                        </a:lnSpc>
-                        <a:spcBef>
-                          <a:spcPts val="0"/>
-                        </a:spcBef>
-                        <a:spcAft>
-                          <a:spcPts val="0"/>
-                        </a:spcAft>
-                        <a:buClrTx/>
-                        <a:buSzTx/>
-                        <a:buFontTx/>
-                        <a:buNone/>
-                        <a:tabLst/>
-                        <a:defRPr/>
-                      </a:pPr>
-                      <a:endParaRPr lang="ko-KR" altLang="en-US" sz="1400" dirty="0"/>
-                    </a:p>
-                  </a:txBody>
-                  <a:tcPr marL="90032" marR="90032" anchor="ctr">
-                    <a:solidFill>
-                      <a:schemeClr val="bg2">
-                        <a:lumMod val="10000"/>
-                        <a:lumOff val="90000"/>
-                      </a:schemeClr>
-                    </a:solidFill>
-                  </a:tcPr>
-                </a:tc>
-                <a:tc vMerge="1">
-                  <a:txBody>
-                    <a:bodyPr/>
-                    <a:lstStyle/>
-                    <a:p>
-                      <a:pPr marL="0" marR="0" lvl="0" indent="0" algn="ctr" defTabSz="457200" rtl="0" eaLnBrk="1" fontAlgn="auto" latinLnBrk="1" hangingPunct="1">
-                        <a:lnSpc>
-                          <a:spcPct val="100000"/>
-                        </a:lnSpc>
-                        <a:spcBef>
-                          <a:spcPts val="0"/>
-                        </a:spcBef>
-                        <a:spcAft>
-                          <a:spcPts val="0"/>
-                        </a:spcAft>
-                        <a:buClrTx/>
-                        <a:buSzTx/>
-                        <a:buFontTx/>
-                        <a:buNone/>
-                        <a:tabLst/>
-                        <a:defRPr/>
-                      </a:pPr>
-                      <a:endParaRPr lang="ko-KR" altLang="en-US" sz="1400" dirty="0"/>
-                    </a:p>
-                  </a:txBody>
-                  <a:tcPr marL="90032" marR="90032" anchor="ctr">
-                    <a:solidFill>
-                      <a:schemeClr val="bg2">
-                        <a:lumMod val="10000"/>
-                        <a:lumOff val="90000"/>
-                      </a:schemeClr>
-                    </a:solidFill>
-                  </a:tcPr>
-                </a:tc>
-                <a:extLst>
-                  <a:ext uri="{0D108BD9-81ED-4DB2-BD59-A6C34878D82A}">
-                    <a16:rowId xmlns:a16="http://schemas.microsoft.com/office/drawing/2014/main" val="3988040451"/>
-                  </a:ext>
-                </a:extLst>
-              </a:tr>
-              <a:tr h="309614">
                 <a:tc>
                   <a:txBody>
                     <a:bodyPr/>
@@ -6287,20 +5066,92 @@
                     <a:p>
                       <a:pPr algn="ctr" latinLnBrk="1"/>
                       <a:r>
-                        <a:rPr lang="en-US" altLang="ko-KR" sz="1200" dirty="0"/>
-                        <a:t>7</a:t>
-                      </a:r>
-                      <a:endParaRPr lang="ko-KR" altLang="en-US" sz="1200" dirty="0"/>
+                        <a:rPr lang="ko-KR" altLang="en-US" sz="1400" dirty="0"/>
+                        <a:t>스테이지</a:t>
+                      </a:r>
+                      <a:r>
+                        <a:rPr lang="en-US" altLang="ko-KR" sz="1400" dirty="0"/>
+                        <a:t>, </a:t>
+                      </a:r>
+                      <a:r>
+                        <a:rPr lang="ko-KR" altLang="en-US" sz="1400" dirty="0"/>
+                        <a:t>캐릭터 효과음</a:t>
+                      </a:r>
                     </a:p>
                   </a:txBody>
-                  <a:tcPr marL="90032" marR="90032" anchor="ctr">
-                    <a:solidFill>
-                      <a:schemeClr val="bg2">
-                        <a:lumMod val="10000"/>
-                        <a:lumOff val="90000"/>
-                      </a:schemeClr>
-                    </a:solidFill>
-                  </a:tcPr>
+                  <a:tcPr marL="90032" marR="90032" anchor="ctr"/>
+                </a:tc>
+                <a:tc>
+                  <a:txBody>
+                    <a:bodyPr/>
+                    <a:lstStyle/>
+                    <a:p>
+                      <a:pPr marL="0" indent="0" algn="ctr" latinLnBrk="1">
+                        <a:buNone/>
+                      </a:pPr>
+                      <a:r>
+                        <a:rPr lang="ko-KR" altLang="en-US" sz="1400" dirty="0"/>
+                        <a:t>스테이지 별 배경음악 구현</a:t>
+                      </a:r>
+                      <a:endParaRPr lang="en-US" altLang="ko-KR" sz="1400" dirty="0"/>
+                    </a:p>
+                    <a:p>
+                      <a:pPr marL="0" indent="0" algn="ctr" latinLnBrk="1">
+                        <a:buNone/>
+                      </a:pPr>
+                      <a:r>
+                        <a:rPr lang="ko-KR" altLang="en-US" sz="1400" dirty="0"/>
+                        <a:t>캐릭터 </a:t>
+                      </a:r>
+                      <a:r>
+                        <a:rPr lang="ko-KR" altLang="en-US" sz="1400" dirty="0" err="1"/>
+                        <a:t>점프시</a:t>
+                      </a:r>
+                      <a:r>
+                        <a:rPr lang="ko-KR" altLang="en-US" sz="1400" dirty="0"/>
+                        <a:t> 효과음 구현</a:t>
+                      </a:r>
+                      <a:endParaRPr lang="en-US" altLang="ko-KR" sz="1400" dirty="0"/>
+                    </a:p>
+                  </a:txBody>
+                  <a:tcPr marL="90032" marR="90032" anchor="ctr"/>
+                </a:tc>
+                <a:tc>
+                  <a:txBody>
+                    <a:bodyPr/>
+                    <a:lstStyle/>
+                    <a:p>
+                      <a:pPr marL="0" indent="0" algn="ctr" latinLnBrk="1">
+                        <a:buNone/>
+                      </a:pPr>
+                      <a:r>
+                        <a:rPr lang="en-US" altLang="ko-KR" sz="1400" dirty="0"/>
+                        <a:t>100%</a:t>
+                      </a:r>
+                    </a:p>
+                  </a:txBody>
+                  <a:tcPr marL="90032" marR="90032" anchor="ctr"/>
+                </a:tc>
+                <a:extLst>
+                  <a:ext uri="{0D108BD9-81ED-4DB2-BD59-A6C34878D82A}">
+                    <a16:rowId xmlns:a16="http://schemas.microsoft.com/office/drawing/2014/main" val="4201186528"/>
+                  </a:ext>
+                </a:extLst>
+              </a:tr>
+              <a:tr h="641621">
+                <a:tc>
+                  <a:txBody>
+                    <a:bodyPr/>
+                    <a:lstStyle/>
+                    <a:p>
+                      <a:pPr algn="ctr" latinLnBrk="1"/>
+                      <a:r>
+                        <a:rPr lang="ko-KR" altLang="en-US" sz="1400" dirty="0"/>
+                        <a:t>애니메이션</a:t>
+                      </a:r>
+                    </a:p>
+                  </a:txBody>
+                  <a:tcPr marL="90032" marR="90032" anchor="ctr"/>
                 </a:tc>
                 <a:tc>
                   <a:txBody>
@@ -6325,27 +5176,88 @@
                         <a:defRPr/>
                       </a:pPr>
                       <a:r>
-                        <a:rPr lang="ko-KR" altLang="en-US" sz="1200" dirty="0"/>
-                        <a:t>스테이지 제작 및 캐릭터 </a:t>
-                      </a:r>
-                      <a:r>
-                        <a:rPr lang="ko-KR" altLang="en-US" sz="1200" dirty="0" err="1"/>
-                        <a:t>알림창</a:t>
-                      </a:r>
-                      <a:r>
-                        <a:rPr lang="ko-KR" altLang="en-US" sz="1200" dirty="0"/>
-                        <a:t> 구현</a:t>
-                      </a:r>
+                        <a:rPr lang="ko-KR" altLang="en-US" sz="1400" dirty="0"/>
+                        <a:t>주인공 </a:t>
+                      </a:r>
+                      <a:r>
+                        <a:rPr lang="en-US" altLang="ko-KR" sz="1400" dirty="0"/>
+                        <a:t>= 3</a:t>
+                      </a:r>
+                      <a:r>
+                        <a:rPr lang="ko-KR" altLang="en-US" sz="1400" dirty="0"/>
+                        <a:t>종</a:t>
+                      </a:r>
+                      <a:r>
+                        <a:rPr lang="en-US" altLang="ko-KR" sz="1400" dirty="0"/>
+                        <a:t>(</a:t>
+                      </a:r>
+                      <a:r>
+                        <a:rPr lang="ko-KR" altLang="en-US" sz="1400" dirty="0"/>
+                        <a:t>좌</a:t>
+                      </a:r>
+                      <a:r>
+                        <a:rPr lang="en-US" altLang="ko-KR" sz="1400" dirty="0"/>
+                        <a:t>, </a:t>
+                      </a:r>
+                      <a:r>
+                        <a:rPr lang="ko-KR" altLang="en-US" sz="1400" dirty="0"/>
+                        <a:t>우</a:t>
+                      </a:r>
+                      <a:r>
+                        <a:rPr lang="en-US" altLang="ko-KR" sz="1400" dirty="0"/>
+                        <a:t>, </a:t>
+                      </a:r>
+                      <a:r>
+                        <a:rPr lang="ko-KR" altLang="en-US" sz="1400" dirty="0"/>
+                        <a:t>점프</a:t>
+                      </a:r>
+                      <a:r>
+                        <a:rPr lang="en-US" altLang="ko-KR" sz="1400" dirty="0"/>
+                        <a:t>)</a:t>
+                      </a:r>
+                    </a:p>
+                    <a:p>
+                      <a:pPr marL="0" marR="0" lvl="0" indent="0" algn="ctr" defTabSz="457200" rtl="0" eaLnBrk="1" fontAlgn="auto" latinLnBrk="1" hangingPunct="1">
+                        <a:lnSpc>
+                          <a:spcPct val="100000"/>
+                        </a:lnSpc>
+                        <a:spcBef>
+                          <a:spcPts val="0"/>
+                        </a:spcBef>
+                        <a:spcAft>
+                          <a:spcPts val="0"/>
+                        </a:spcAft>
+                        <a:buClrTx/>
+                        <a:buSzTx/>
+                        <a:buFontTx/>
+                        <a:buNone/>
+                        <a:tabLst/>
+                        <a:defRPr/>
+                      </a:pPr>
+                      <a:r>
+                        <a:rPr lang="ko-KR" altLang="en-US" sz="1400" dirty="0"/>
+                        <a:t>적 </a:t>
+                      </a:r>
+                      <a:r>
+                        <a:rPr lang="en-US" altLang="ko-KR" sz="1400" dirty="0"/>
+                        <a:t>– </a:t>
+                      </a:r>
+                      <a:r>
+                        <a:rPr lang="ko-KR" altLang="en-US" sz="1400" dirty="0"/>
+                        <a:t>좌</a:t>
+                      </a:r>
+                      <a:r>
+                        <a:rPr lang="en-US" altLang="ko-KR" sz="1400" dirty="0"/>
+                        <a:t>, </a:t>
+                      </a:r>
+                      <a:r>
+                        <a:rPr lang="ko-KR" altLang="en-US" sz="1400" dirty="0"/>
+                        <a:t>우</a:t>
+                      </a:r>
+                      <a:endParaRPr lang="en-US" altLang="ko-KR" sz="1400" dirty="0"/>
                     </a:p>
                   </a:txBody>
-                  <a:tcPr marL="90032" marR="90032" anchor="ctr">
-                    <a:solidFill>
-                      <a:schemeClr val="bg2">
-                        <a:lumMod val="10000"/>
-                        <a:lumOff val="90000"/>
-                      </a:schemeClr>
-                    </a:solidFill>
-                  </a:tcPr>
+                  <a:tcPr marL="90032" marR="90032" anchor="ctr"/>
                 </a:tc>
                 <a:tc>
                   <a:txBody>
@@ -6370,105 +5282,12 @@
                         <a:defRPr/>
                       </a:pPr>
                       <a:r>
-                        <a:rPr lang="ko-KR" altLang="en-US" sz="1200" dirty="0"/>
-                        <a:t>캐릭터 움직임에 따라 스테이지 움직임 구현</a:t>
-                      </a:r>
-                      <a:endParaRPr lang="en-US" altLang="ko-KR" sz="1200" dirty="0"/>
-                    </a:p>
-                    <a:p>
-                      <a:pPr marL="0" marR="0" lvl="0" indent="0" algn="ctr" defTabSz="457200" rtl="0" eaLnBrk="1" fontAlgn="auto" latinLnBrk="1" hangingPunct="1">
-                        <a:lnSpc>
-                          <a:spcPct val="100000"/>
-                        </a:lnSpc>
-                        <a:spcBef>
-                          <a:spcPts val="0"/>
-                        </a:spcBef>
-                        <a:spcAft>
-                          <a:spcPts val="0"/>
-                        </a:spcAft>
-                        <a:buClrTx/>
-                        <a:buSzTx/>
-                        <a:buFontTx/>
-                        <a:buNone/>
-                        <a:tabLst/>
-                        <a:defRPr/>
-                      </a:pPr>
-                      <a:r>
-                        <a:rPr lang="ko-KR" altLang="en-US" sz="1200" dirty="0"/>
-                        <a:t>게임시작 과 게임 종료 시 나타내는 알림 구현</a:t>
-                      </a:r>
-                      <a:endParaRPr lang="en-US" altLang="ko-KR" sz="1200" dirty="0"/>
-                    </a:p>
-                    <a:p>
-                      <a:pPr marL="0" marR="0" lvl="0" indent="0" algn="ctr" defTabSz="457200" rtl="0" eaLnBrk="1" fontAlgn="auto" latinLnBrk="1" hangingPunct="1">
-                        <a:lnSpc>
-                          <a:spcPct val="100000"/>
-                        </a:lnSpc>
-                        <a:spcBef>
-                          <a:spcPts val="0"/>
-                        </a:spcBef>
-                        <a:spcAft>
-                          <a:spcPts val="0"/>
-                        </a:spcAft>
-                        <a:buClrTx/>
-                        <a:buSzTx/>
-                        <a:buFontTx/>
-                        <a:buNone/>
-                        <a:tabLst/>
-                        <a:defRPr/>
-                      </a:pPr>
-                      <a:r>
-                        <a:rPr lang="ko-KR" altLang="en-US" sz="1200" dirty="0"/>
-                        <a:t>캐릭터 </a:t>
-                      </a:r>
-                      <a:r>
-                        <a:rPr lang="ko-KR" altLang="en-US" sz="1200" dirty="0" err="1"/>
-                        <a:t>상태알림창</a:t>
-                      </a:r>
-                      <a:r>
-                        <a:rPr lang="ko-KR" altLang="en-US" sz="1200" dirty="0"/>
-                        <a:t> 구현</a:t>
-                      </a:r>
-                      <a:endParaRPr lang="en-US" altLang="ko-KR" sz="1200" dirty="0"/>
+                        <a:rPr lang="ko-KR" altLang="en-US" sz="1400" dirty="0"/>
+                        <a:t>모두 구현</a:t>
+                      </a:r>
                     </a:p>
                   </a:txBody>
-                  <a:tcPr marL="90032" marR="90032" anchor="ctr">
-                    <a:solidFill>
-                      <a:schemeClr val="bg2">
-                        <a:lumMod val="10000"/>
-                        <a:lumOff val="90000"/>
-                      </a:schemeClr>
-                    </a:solidFill>
-                  </a:tcPr>
-                </a:tc>
-                <a:extLst>
-                  <a:ext uri="{0D108BD9-81ED-4DB2-BD59-A6C34878D82A}">
-                    <a16:rowId xmlns:a16="http://schemas.microsoft.com/office/drawing/2014/main" val="2745628637"/>
-                  </a:ext>
-                </a:extLst>
-              </a:tr>
-              <a:tr h="332007">
-                <a:tc>
-                  <a:txBody>
-                    <a:bodyPr/>
-                    <a:lstStyle/>
-                    <a:p>
-                      <a:pPr algn="ctr" latinLnBrk="1"/>
-                      <a:r>
-                        <a:rPr lang="en-US" altLang="ko-KR" sz="1200" dirty="0"/>
-                        <a:t>8</a:t>
-                      </a:r>
-                      <a:endParaRPr lang="ko-KR" altLang="en-US" sz="1200" dirty="0"/>
-                    </a:p>
-                  </a:txBody>
-                  <a:tcPr marL="90032" marR="90032" anchor="ctr">
-                    <a:solidFill>
-                      <a:schemeClr val="bg2">
-                        <a:lumMod val="10000"/>
-                        <a:lumOff val="90000"/>
-                      </a:schemeClr>
-                    </a:solidFill>
-                  </a:tcPr>
+                  <a:tcPr marL="90032" marR="90032" anchor="ctr"/>
                 </a:tc>
                 <a:tc>
                   <a:txBody>
@@ -6477,44 +5296,17 @@
                     <a:p>
                       <a:pPr algn="ctr" latinLnBrk="1"/>
                       <a:r>
-                        <a:rPr lang="ko-KR" altLang="en-US" sz="1200" dirty="0"/>
-                        <a:t>최종 점검</a:t>
-                      </a:r>
+                        <a:rPr lang="en-US" altLang="ko-KR" sz="1400" dirty="0"/>
+                        <a:t>100%</a:t>
+                      </a:r>
+                      <a:endParaRPr lang="ko-KR" altLang="en-US" sz="1400" dirty="0"/>
                     </a:p>
                   </a:txBody>
-                  <a:tcPr marL="90032" marR="90032" anchor="ctr">
-                    <a:solidFill>
-                      <a:schemeClr val="bg2">
-                        <a:lumMod val="10000"/>
-                        <a:lumOff val="90000"/>
-                      </a:schemeClr>
-                    </a:solidFill>
-                  </a:tcPr>
-                </a:tc>
-                <a:tc>
-                  <a:txBody>
-                    <a:bodyPr/>
-                    <a:lstStyle/>
-                    <a:p>
-                      <a:pPr algn="ctr" latinLnBrk="1"/>
-                      <a:r>
-                        <a:rPr lang="ko-KR" altLang="en-US" sz="1200" dirty="0"/>
-                        <a:t>최종 점검</a:t>
-                      </a:r>
-                    </a:p>
-                  </a:txBody>
-                  <a:tcPr marL="90032" marR="90032" anchor="ctr">
-                    <a:solidFill>
-                      <a:schemeClr val="bg2">
-                        <a:lumMod val="10000"/>
-                        <a:lumOff val="90000"/>
-                      </a:schemeClr>
-                    </a:solidFill>
-                  </a:tcPr>
+                  <a:tcPr marL="90032" marR="90032" anchor="ctr"/>
                 </a:tc>
                 <a:extLst>
                   <a:ext uri="{0D108BD9-81ED-4DB2-BD59-A6C34878D82A}">
-                    <a16:rowId xmlns:a16="http://schemas.microsoft.com/office/drawing/2014/main" val="2079577538"/>
+                    <a16:rowId xmlns:a16="http://schemas.microsoft.com/office/drawing/2014/main" val="2745628637"/>
                   </a:ext>
                 </a:extLst>
               </a:tr>
@@ -6526,512 +5318,6 @@
     <p:extLst>
       <p:ext uri="{BB962C8B-B14F-4D97-AF65-F5344CB8AC3E}">
         <p14:creationId xmlns:p14="http://schemas.microsoft.com/office/powerpoint/2010/main" val="2987224716"/>
-      </p:ext>
-    </p:extLst>
-  </p:cSld>
-  <p:clrMapOvr>
-    <a:overrideClrMapping bg1="dk1" tx1="lt1" bg2="dk2" tx2="lt2" accent1="accent1" accent2="accent2" accent3="accent3" accent4="accent4" accent5="accent5" accent6="accent6" hlink="hlink" folHlink="folHlink"/>
-  </p:clrMapOvr>
-</p:sld>
-</file>
-
-<file path=ppt/slides/slide5.xml><?xml version="1.0" encoding="utf-8"?>
-<p:sld xmlns:a="http://schemas.openxmlformats.org/drawingml/2006/main" xmlns:r="http://schemas.openxmlformats.org/officeDocument/2006/relationships" xmlns:p="http://schemas.openxmlformats.org/presentationml/2006/main">
-  <p:cSld>
-    <p:bg>
-      <p:bgPr>
-        <a:solidFill>
-          <a:schemeClr val="bg1">
-            <a:tint val="95000"/>
-            <a:satMod val="170000"/>
-          </a:schemeClr>
-        </a:solidFill>
-        <a:effectLst/>
-      </p:bgPr>
-    </p:bg>
-    <p:spTree>
-      <p:nvGrpSpPr>
-        <p:cNvPr id="1" name=""/>
-        <p:cNvGrpSpPr/>
-        <p:nvPr/>
-      </p:nvGrpSpPr>
-      <p:grpSpPr>
-        <a:xfrm>
-          <a:off x="0" y="0"/>
-          <a:ext cx="0" cy="0"/>
-          <a:chOff x="0" y="0"/>
-          <a:chExt cx="0" cy="0"/>
-        </a:xfrm>
-      </p:grpSpPr>
-      <p:sp>
-        <p:nvSpPr>
-          <p:cNvPr id="8" name="Freeform: Shape 7">
-            <a:extLst>
-              <a:ext uri="{FF2B5EF4-FFF2-40B4-BE49-F238E27FC236}">
-                <a16:creationId xmlns:a16="http://schemas.microsoft.com/office/drawing/2014/main" id="{48A740BC-A0AA-45E0-B899-2AE9C6FE11CA}"/>
-              </a:ext>
-            </a:extLst>
-          </p:cNvPr>
-          <p:cNvSpPr>
-            <a:spLocks noGrp="1" noRot="1" noChangeAspect="1" noMove="1" noResize="1" noEditPoints="1" noAdjustHandles="1" noChangeArrowheads="1" noChangeShapeType="1" noTextEdit="1"/>
-          </p:cNvSpPr>
-          <p:nvPr>
-            <p:extLst>
-              <p:ext uri="{386F3935-93C4-4BCD-93E2-E3B085C9AB24}">
-                <p16:designElem xmlns:p16="http://schemas.microsoft.com/office/powerpoint/2015/main" val="1"/>
-              </p:ext>
-            </p:extLst>
-          </p:nvPr>
-        </p:nvSpPr>
-        <p:spPr>
-          <a:xfrm>
-            <a:off x="5913121" y="-2"/>
-            <a:ext cx="6278879" cy="6858002"/>
-          </a:xfrm>
-          <a:custGeom>
-            <a:avLst/>
-            <a:gdLst>
-              <a:gd name="connsiteX0" fmla="*/ 45572 w 6278879"/>
-              <a:gd name="connsiteY0" fmla="*/ 0 h 6858002"/>
-              <a:gd name="connsiteX1" fmla="*/ 6278879 w 6278879"/>
-              <a:gd name="connsiteY1" fmla="*/ 0 h 6858002"/>
-              <a:gd name="connsiteX2" fmla="*/ 6278879 w 6278879"/>
-              <a:gd name="connsiteY2" fmla="*/ 6858002 h 6858002"/>
-              <a:gd name="connsiteX3" fmla="*/ 3292308 w 6278879"/>
-              <a:gd name="connsiteY3" fmla="*/ 6858002 h 6858002"/>
-              <a:gd name="connsiteX4" fmla="*/ 3181526 w 6278879"/>
-              <a:gd name="connsiteY4" fmla="*/ 6786982 h 6858002"/>
-              <a:gd name="connsiteX5" fmla="*/ 0 w 6278879"/>
-              <a:gd name="connsiteY5" fmla="*/ 803254 h 6858002"/>
-              <a:gd name="connsiteX6" fmla="*/ 37255 w 6278879"/>
-              <a:gd name="connsiteY6" fmla="*/ 65447 h 6858002"/>
-            </a:gdLst>
-            <a:ahLst/>
-            <a:cxnLst>
-              <a:cxn ang="0">
-                <a:pos x="connsiteX0" y="connsiteY0"/>
-              </a:cxn>
-              <a:cxn ang="0">
-                <a:pos x="connsiteX1" y="connsiteY1"/>
-              </a:cxn>
-              <a:cxn ang="0">
-                <a:pos x="connsiteX2" y="connsiteY2"/>
-              </a:cxn>
-              <a:cxn ang="0">
-                <a:pos x="connsiteX3" y="connsiteY3"/>
-              </a:cxn>
-              <a:cxn ang="0">
-                <a:pos x="connsiteX4" y="connsiteY4"/>
-              </a:cxn>
-              <a:cxn ang="0">
-                <a:pos x="connsiteX5" y="connsiteY5"/>
-              </a:cxn>
-              <a:cxn ang="0">
-                <a:pos x="connsiteX6" y="connsiteY6"/>
-              </a:cxn>
-            </a:cxnLst>
-            <a:rect l="l" t="t" r="r" b="b"/>
-            <a:pathLst>
-              <a:path w="6278879" h="6858002">
-                <a:moveTo>
-                  <a:pt x="45572" y="0"/>
-                </a:moveTo>
-                <a:lnTo>
-                  <a:pt x="6278879" y="0"/>
-                </a:lnTo>
-                <a:lnTo>
-                  <a:pt x="6278879" y="6858002"/>
-                </a:lnTo>
-                <a:lnTo>
-                  <a:pt x="3292308" y="6858002"/>
-                </a:lnTo>
-                <a:lnTo>
-                  <a:pt x="3181526" y="6786982"/>
-                </a:lnTo>
-                <a:cubicBezTo>
-                  <a:pt x="1262021" y="5490191"/>
-                  <a:pt x="0" y="3294103"/>
-                  <a:pt x="0" y="803254"/>
-                </a:cubicBezTo>
-                <a:cubicBezTo>
-                  <a:pt x="0" y="554169"/>
-                  <a:pt x="12620" y="308032"/>
-                  <a:pt x="37255" y="65447"/>
-                </a:cubicBezTo>
-                <a:close/>
-              </a:path>
-            </a:pathLst>
-          </a:custGeom>
-          <a:solidFill>
-            <a:schemeClr val="bg1">
-              <a:lumMod val="85000"/>
-              <a:lumOff val="15000"/>
-              <a:alpha val="70000"/>
-            </a:schemeClr>
-          </a:solidFill>
-          <a:ln>
-            <a:noFill/>
-          </a:ln>
-        </p:spPr>
-        <p:style>
-          <a:lnRef idx="2">
-            <a:schemeClr val="accent1">
-              <a:shade val="50000"/>
-            </a:schemeClr>
-          </a:lnRef>
-          <a:fillRef idx="1">
-            <a:schemeClr val="accent1"/>
-          </a:fillRef>
-          <a:effectRef idx="0">
-            <a:schemeClr val="accent1"/>
-          </a:effectRef>
-          <a:fontRef idx="minor">
-            <a:schemeClr val="lt1"/>
-          </a:fontRef>
-        </p:style>
-        <p:txBody>
-          <a:bodyPr rtlCol="0" anchor="ctr"/>
-          <a:lstStyle/>
-          <a:p>
-            <a:pPr marL="0" marR="0" lvl="0" indent="0" algn="ctr" defTabSz="914400" rtl="0" eaLnBrk="1" fontAlgn="auto" latinLnBrk="0" hangingPunct="1">
-              <a:lnSpc>
-                <a:spcPct val="100000"/>
-              </a:lnSpc>
-              <a:spcBef>
-                <a:spcPts val="0"/>
-              </a:spcBef>
-              <a:spcAft>
-                <a:spcPts val="0"/>
-              </a:spcAft>
-              <a:buClrTx/>
-              <a:buSzTx/>
-              <a:buFontTx/>
-              <a:buNone/>
-              <a:tabLst/>
-              <a:defRPr/>
-            </a:pPr>
-            <a:endParaRPr kumimoji="0" lang="en-US" sz="1800" b="0" i="0" u="none" strike="noStrike" kern="1200" cap="none" spc="0" normalizeH="0" baseline="0" noProof="0">
-              <a:ln>
-                <a:noFill/>
-              </a:ln>
-              <a:solidFill>
-                <a:prstClr val="white"/>
-              </a:solidFill>
-              <a:effectLst/>
-              <a:uLnTx/>
-              <a:uFillTx/>
-              <a:latin typeface="Calibri" panose="020F0502020204030204"/>
-              <a:ea typeface="+mn-ea"/>
-              <a:cs typeface="+mn-cs"/>
-            </a:endParaRPr>
-          </a:p>
-        </p:txBody>
-      </p:sp>
-      <p:cxnSp>
-        <p:nvCxnSpPr>
-          <p:cNvPr id="10" name="Straight Arrow Connector 9">
-            <a:extLst>
-              <a:ext uri="{FF2B5EF4-FFF2-40B4-BE49-F238E27FC236}">
-                <a16:creationId xmlns:a16="http://schemas.microsoft.com/office/drawing/2014/main" id="{B874EF51-C858-4BB9-97C3-D17755787127}"/>
-              </a:ext>
-            </a:extLst>
-          </p:cNvPr>
-          <p:cNvCxnSpPr>
-            <a:cxnSpLocks noGrp="1" noRot="1" noChangeAspect="1" noMove="1" noResize="1" noEditPoints="1" noAdjustHandles="1" noChangeArrowheads="1" noChangeShapeType="1"/>
-          </p:cNvCxnSpPr>
-          <p:nvPr>
-            <p:extLst>
-              <p:ext uri="{386F3935-93C4-4BCD-93E2-E3B085C9AB24}">
-                <p16:designElem xmlns:p16="http://schemas.microsoft.com/office/powerpoint/2015/main" val="1"/>
-              </p:ext>
-            </p:extLst>
-          </p:nvPr>
-        </p:nvCxnSpPr>
-        <p:spPr>
-          <a:xfrm>
-            <a:off x="763661" y="2316480"/>
-            <a:ext cx="8229600" cy="0"/>
-          </a:xfrm>
-          <a:prstGeom prst="straightConnector1">
-            <a:avLst/>
-          </a:prstGeom>
-          <a:ln w="19050" cap="sq">
-            <a:solidFill>
-              <a:schemeClr val="tx1"/>
-            </a:solidFill>
-            <a:tailEnd type="none"/>
-          </a:ln>
-        </p:spPr>
-        <p:style>
-          <a:lnRef idx="1">
-            <a:schemeClr val="accent1"/>
-          </a:lnRef>
-          <a:fillRef idx="0">
-            <a:schemeClr val="accent1"/>
-          </a:fillRef>
-          <a:effectRef idx="0">
-            <a:schemeClr val="accent1"/>
-          </a:effectRef>
-          <a:fontRef idx="minor">
-            <a:schemeClr val="tx1"/>
-          </a:fontRef>
-        </p:style>
-      </p:cxnSp>
-      <p:sp>
-        <p:nvSpPr>
-          <p:cNvPr id="2" name="제목 1">
-            <a:extLst>
-              <a:ext uri="{FF2B5EF4-FFF2-40B4-BE49-F238E27FC236}">
-                <a16:creationId xmlns:a16="http://schemas.microsoft.com/office/drawing/2014/main" id="{E3086DBD-3AB4-4CB8-A328-D2ECC36E53EE}"/>
-              </a:ext>
-            </a:extLst>
-          </p:cNvPr>
-          <p:cNvSpPr>
-            <a:spLocks noGrp="1"/>
-          </p:cNvSpPr>
-          <p:nvPr>
-            <p:ph type="title"/>
-          </p:nvPr>
-        </p:nvSpPr>
-        <p:spPr>
-          <a:xfrm>
-            <a:off x="655320" y="365125"/>
-            <a:ext cx="9013052" cy="1623312"/>
-          </a:xfrm>
-        </p:spPr>
-        <p:txBody>
-          <a:bodyPr anchor="b">
-            <a:normAutofit/>
-          </a:bodyPr>
-          <a:lstStyle/>
-          <a:p>
-            <a:r>
-              <a:rPr lang="en-US" altLang="ko-KR" sz="4000"/>
-              <a:t>Github commits</a:t>
-            </a:r>
-            <a:endParaRPr lang="ko-KR" altLang="en-US" sz="4000"/>
-          </a:p>
-        </p:txBody>
-      </p:sp>
-      <p:pic>
-        <p:nvPicPr>
-          <p:cNvPr id="5" name="내용 개체 틀 4" descr="지도이(가) 표시된 사진&#10;&#10;매우 높은 신뢰도로 생성된 설명">
-            <a:extLst>
-              <a:ext uri="{FF2B5EF4-FFF2-40B4-BE49-F238E27FC236}">
-                <a16:creationId xmlns:a16="http://schemas.microsoft.com/office/drawing/2014/main" id="{ACB7631E-38CC-4365-8445-5C9EAB9C63C7}"/>
-              </a:ext>
-            </a:extLst>
-          </p:cNvPr>
-          <p:cNvPicPr>
-            <a:picLocks noGrp="1" noChangeAspect="1"/>
-          </p:cNvPicPr>
-          <p:nvPr>
-            <p:ph idx="1"/>
-          </p:nvPr>
-        </p:nvPicPr>
-        <p:blipFill>
-          <a:blip r:embed="rId2">
-            <a:extLst>
-              <a:ext uri="{28A0092B-C50C-407E-A947-70E740481C1C}">
-                <a14:useLocalDpi xmlns:a14="http://schemas.microsoft.com/office/drawing/2010/main" val="0"/>
-              </a:ext>
-            </a:extLst>
-          </a:blip>
-          <a:stretch>
-            <a:fillRect/>
-          </a:stretch>
-        </p:blipFill>
-        <p:spPr>
-          <a:xfrm>
-            <a:off x="885130" y="2475711"/>
-            <a:ext cx="2669623" cy="1901734"/>
-          </a:xfrm>
-        </p:spPr>
-      </p:pic>
-      <p:pic>
-        <p:nvPicPr>
-          <p:cNvPr id="7" name="그림 6" descr="지도, 텍스트, 스크린샷이(가) 표시된 사진&#10;&#10;매우 높은 신뢰도로 생성된 설명">
-            <a:extLst>
-              <a:ext uri="{FF2B5EF4-FFF2-40B4-BE49-F238E27FC236}">
-                <a16:creationId xmlns:a16="http://schemas.microsoft.com/office/drawing/2014/main" id="{47119BF5-BEA6-41A2-A683-2459FA8158FC}"/>
-              </a:ext>
-            </a:extLst>
-          </p:cNvPr>
-          <p:cNvPicPr>
-            <a:picLocks noChangeAspect="1"/>
-          </p:cNvPicPr>
-          <p:nvPr/>
-        </p:nvPicPr>
-        <p:blipFill>
-          <a:blip r:embed="rId3">
-            <a:extLst>
-              <a:ext uri="{28A0092B-C50C-407E-A947-70E740481C1C}">
-                <a14:useLocalDpi xmlns:a14="http://schemas.microsoft.com/office/drawing/2010/main" val="0"/>
-              </a:ext>
-            </a:extLst>
-          </a:blip>
-          <a:stretch>
-            <a:fillRect/>
-          </a:stretch>
-        </p:blipFill>
-        <p:spPr>
-          <a:xfrm>
-            <a:off x="4130111" y="2475711"/>
-            <a:ext cx="2721302" cy="1901728"/>
-          </a:xfrm>
-          <a:prstGeom prst="rect">
-            <a:avLst/>
-          </a:prstGeom>
-        </p:spPr>
-      </p:pic>
-      <p:pic>
-        <p:nvPicPr>
-          <p:cNvPr id="11" name="그림 10" descr="지도, 텍스트이(가) 표시된 사진&#10;&#10;매우 높은 신뢰도로 생성된 설명">
-            <a:extLst>
-              <a:ext uri="{FF2B5EF4-FFF2-40B4-BE49-F238E27FC236}">
-                <a16:creationId xmlns:a16="http://schemas.microsoft.com/office/drawing/2014/main" id="{F4DF65D9-BCC9-4484-BC8C-6B5D5636D5DB}"/>
-              </a:ext>
-            </a:extLst>
-          </p:cNvPr>
-          <p:cNvPicPr>
-            <a:picLocks noChangeAspect="1"/>
-          </p:cNvPicPr>
-          <p:nvPr/>
-        </p:nvPicPr>
-        <p:blipFill>
-          <a:blip r:embed="rId4">
-            <a:extLst>
-              <a:ext uri="{28A0092B-C50C-407E-A947-70E740481C1C}">
-                <a14:useLocalDpi xmlns:a14="http://schemas.microsoft.com/office/drawing/2010/main" val="0"/>
-              </a:ext>
-            </a:extLst>
-          </a:blip>
-          <a:stretch>
-            <a:fillRect/>
-          </a:stretch>
-        </p:blipFill>
-        <p:spPr>
-          <a:xfrm>
-            <a:off x="7426771" y="2475711"/>
-            <a:ext cx="2669680" cy="1901728"/>
-          </a:xfrm>
-          <a:prstGeom prst="rect">
-            <a:avLst/>
-          </a:prstGeom>
-        </p:spPr>
-      </p:pic>
-      <p:pic>
-        <p:nvPicPr>
-          <p:cNvPr id="13" name="그림 12" descr="지도이(가) 표시된 사진&#10;&#10;매우 높은 신뢰도로 생성된 설명">
-            <a:extLst>
-              <a:ext uri="{FF2B5EF4-FFF2-40B4-BE49-F238E27FC236}">
-                <a16:creationId xmlns:a16="http://schemas.microsoft.com/office/drawing/2014/main" id="{38508E94-9037-45A4-B4E2-3BFD68D9C545}"/>
-              </a:ext>
-            </a:extLst>
-          </p:cNvPr>
-          <p:cNvPicPr>
-            <a:picLocks noChangeAspect="1"/>
-          </p:cNvPicPr>
-          <p:nvPr/>
-        </p:nvPicPr>
-        <p:blipFill>
-          <a:blip r:embed="rId5">
-            <a:extLst>
-              <a:ext uri="{28A0092B-C50C-407E-A947-70E740481C1C}">
-                <a14:useLocalDpi xmlns:a14="http://schemas.microsoft.com/office/drawing/2010/main" val="0"/>
-              </a:ext>
-            </a:extLst>
-          </a:blip>
-          <a:stretch>
-            <a:fillRect/>
-          </a:stretch>
-        </p:blipFill>
-        <p:spPr>
-          <a:xfrm>
-            <a:off x="869178" y="4681382"/>
-            <a:ext cx="2684262" cy="1901728"/>
-          </a:xfrm>
-          <a:prstGeom prst="rect">
-            <a:avLst/>
-          </a:prstGeom>
-        </p:spPr>
-      </p:pic>
-      <p:pic>
-        <p:nvPicPr>
-          <p:cNvPr id="15" name="그림 14" descr="지도, 텍스트이(가) 표시된 사진&#10;&#10;매우 높은 신뢰도로 생성된 설명">
-            <a:extLst>
-              <a:ext uri="{FF2B5EF4-FFF2-40B4-BE49-F238E27FC236}">
-                <a16:creationId xmlns:a16="http://schemas.microsoft.com/office/drawing/2014/main" id="{A2EF57C0-519F-498D-9E1C-097CB2E93908}"/>
-              </a:ext>
-            </a:extLst>
-          </p:cNvPr>
-          <p:cNvPicPr>
-            <a:picLocks noChangeAspect="1"/>
-          </p:cNvPicPr>
-          <p:nvPr/>
-        </p:nvPicPr>
-        <p:blipFill>
-          <a:blip r:embed="rId6">
-            <a:extLst>
-              <a:ext uri="{28A0092B-C50C-407E-A947-70E740481C1C}">
-                <a14:useLocalDpi xmlns:a14="http://schemas.microsoft.com/office/drawing/2010/main" val="0"/>
-              </a:ext>
-            </a:extLst>
-          </a:blip>
-          <a:stretch>
-            <a:fillRect/>
-          </a:stretch>
-        </p:blipFill>
-        <p:spPr>
-          <a:xfrm>
-            <a:off x="4119924" y="4681382"/>
-            <a:ext cx="2722125" cy="1905843"/>
-          </a:xfrm>
-          <a:prstGeom prst="rect">
-            <a:avLst/>
-          </a:prstGeom>
-        </p:spPr>
-      </p:pic>
-      <p:pic>
-        <p:nvPicPr>
-          <p:cNvPr id="17" name="그림 16" descr="지도, 텍스트이(가) 표시된 사진&#10;&#10;매우 높은 신뢰도로 생성된 설명">
-            <a:extLst>
-              <a:ext uri="{FF2B5EF4-FFF2-40B4-BE49-F238E27FC236}">
-                <a16:creationId xmlns:a16="http://schemas.microsoft.com/office/drawing/2014/main" id="{25EC4372-55DB-4102-B908-4762D28FBED4}"/>
-              </a:ext>
-            </a:extLst>
-          </p:cNvPr>
-          <p:cNvPicPr>
-            <a:picLocks noChangeAspect="1"/>
-          </p:cNvPicPr>
-          <p:nvPr/>
-        </p:nvPicPr>
-        <p:blipFill>
-          <a:blip r:embed="rId7">
-            <a:extLst>
-              <a:ext uri="{28A0092B-C50C-407E-A947-70E740481C1C}">
-                <a14:useLocalDpi xmlns:a14="http://schemas.microsoft.com/office/drawing/2010/main" val="0"/>
-              </a:ext>
-            </a:extLst>
-          </a:blip>
-          <a:stretch>
-            <a:fillRect/>
-          </a:stretch>
-        </p:blipFill>
-        <p:spPr>
-          <a:xfrm>
-            <a:off x="7408534" y="4681383"/>
-            <a:ext cx="2703506" cy="1901728"/>
-          </a:xfrm>
-          <a:prstGeom prst="rect">
-            <a:avLst/>
-          </a:prstGeom>
-        </p:spPr>
-      </p:pic>
-    </p:spTree>
-    <p:extLst>
-      <p:ext uri="{BB962C8B-B14F-4D97-AF65-F5344CB8AC3E}">
-        <p14:creationId xmlns:p14="http://schemas.microsoft.com/office/powerpoint/2010/main" val="2251650909"/>
       </p:ext>
     </p:extLst>
   </p:cSld>
